--- a/_teaching/csci112-fall-2023/lectures/ppts/Chapter8.pptx
+++ b/_teaching/csci112-fall-2023/lectures/ppts/Chapter8.pptx
@@ -24,12 +24,12 @@
     <p:sldId id="277" r:id="rId15"/>
     <p:sldId id="291" r:id="rId16"/>
     <p:sldId id="337" r:id="rId17"/>
-    <p:sldId id="275" r:id="rId18"/>
-    <p:sldId id="334" r:id="rId19"/>
-    <p:sldId id="278" r:id="rId20"/>
-    <p:sldId id="279" r:id="rId21"/>
-    <p:sldId id="281" r:id="rId22"/>
-    <p:sldId id="335" r:id="rId23"/>
+    <p:sldId id="334" r:id="rId18"/>
+    <p:sldId id="278" r:id="rId19"/>
+    <p:sldId id="279" r:id="rId20"/>
+    <p:sldId id="281" r:id="rId21"/>
+    <p:sldId id="335" r:id="rId22"/>
+    <p:sldId id="275" r:id="rId23"/>
     <p:sldId id="284" r:id="rId24"/>
     <p:sldId id="285" r:id="rId25"/>
     <p:sldId id="340" r:id="rId26"/>
@@ -242,7 +242,7 @@
           <a:p>
             <a:fld id="{E98CB7A6-F9BD-49C3-9ECF-4DAF095CBB1C}" type="datetimeFigureOut">
               <a:rPr lang="en-US" smtClean="0"/>
-              <a:t>10/8/23</a:t>
+              <a:t>10/13/23</a:t>
             </a:fld>
             <a:endParaRPr lang="en-US"/>
           </a:p>
@@ -772,7 +772,7 @@
           <a:p>
             <a:fld id="{E3D5AC34-6369-47AD-9227-C94D863A9CC0}" type="datetime1">
               <a:rPr lang="en-US" smtClean="0"/>
-              <a:t>10/8/23</a:t>
+              <a:t>10/13/23</a:t>
             </a:fld>
             <a:endParaRPr lang="en-US"/>
           </a:p>
@@ -943,7 +943,7 @@
           <a:p>
             <a:fld id="{072AE9C9-84B0-4CCC-8BB5-D31EF955DABF}" type="datetime1">
               <a:rPr lang="en-US" smtClean="0"/>
-              <a:t>10/8/23</a:t>
+              <a:t>10/13/23</a:t>
             </a:fld>
             <a:endParaRPr lang="en-US"/>
           </a:p>
@@ -1124,7 +1124,7 @@
           <a:p>
             <a:fld id="{418459C9-6810-46A7-8E27-73A52524CA34}" type="datetime1">
               <a:rPr lang="en-US" smtClean="0"/>
-              <a:t>10/8/23</a:t>
+              <a:t>10/13/23</a:t>
             </a:fld>
             <a:endParaRPr lang="en-US"/>
           </a:p>
@@ -1295,7 +1295,7 @@
           <a:p>
             <a:fld id="{F7BCA306-D31B-4E3C-AD40-EA3294957AA6}" type="datetime1">
               <a:rPr lang="en-US" smtClean="0"/>
-              <a:t>10/8/23</a:t>
+              <a:t>10/13/23</a:t>
             </a:fld>
             <a:endParaRPr lang="en-US"/>
           </a:p>
@@ -1543,7 +1543,7 @@
           <a:p>
             <a:fld id="{5C41660C-86E2-43CF-B22A-29E62815AB7D}" type="datetime1">
               <a:rPr lang="en-US" smtClean="0"/>
-              <a:t>10/8/23</a:t>
+              <a:t>10/13/23</a:t>
             </a:fld>
             <a:endParaRPr lang="en-US"/>
           </a:p>
@@ -1831,7 +1831,7 @@
           <a:p>
             <a:fld id="{94543629-6BC7-4BF9-A2A1-981038F36C55}" type="datetime1">
               <a:rPr lang="en-US" smtClean="0"/>
-              <a:t>10/8/23</a:t>
+              <a:t>10/13/23</a:t>
             </a:fld>
             <a:endParaRPr lang="en-US"/>
           </a:p>
@@ -2253,7 +2253,7 @@
           <a:p>
             <a:fld id="{EB5B99CF-F104-4BC6-A098-3ABC219C8A7D}" type="datetime1">
               <a:rPr lang="en-US" smtClean="0"/>
-              <a:t>10/8/23</a:t>
+              <a:t>10/13/23</a:t>
             </a:fld>
             <a:endParaRPr lang="en-US"/>
           </a:p>
@@ -2373,7 +2373,7 @@
           <a:p>
             <a:fld id="{C07800F5-980D-47D4-9F20-E5F458E76937}" type="datetime1">
               <a:rPr lang="en-US" smtClean="0"/>
-              <a:t>10/8/23</a:t>
+              <a:t>10/13/23</a:t>
             </a:fld>
             <a:endParaRPr lang="en-US"/>
           </a:p>
@@ -2471,7 +2471,7 @@
           <a:p>
             <a:fld id="{913B0C59-39A1-4E7B-8276-56A7060F0A3E}" type="datetime1">
               <a:rPr lang="en-US" smtClean="0"/>
-              <a:t>10/8/23</a:t>
+              <a:t>10/13/23</a:t>
             </a:fld>
             <a:endParaRPr lang="en-US"/>
           </a:p>
@@ -2749,7 +2749,7 @@
           <a:p>
             <a:fld id="{C453B8A8-F829-4B10-8A5D-952BBAE5F11B}" type="datetime1">
               <a:rPr lang="en-US" smtClean="0"/>
-              <a:t>10/8/23</a:t>
+              <a:t>10/13/23</a:t>
             </a:fld>
             <a:endParaRPr lang="en-US"/>
           </a:p>
@@ -3004,7 +3004,7 @@
           <a:p>
             <a:fld id="{805C8FAD-01C2-4C81-8B26-770D72A95E71}" type="datetime1">
               <a:rPr lang="en-US" smtClean="0"/>
-              <a:t>10/8/23</a:t>
+              <a:t>10/13/23</a:t>
             </a:fld>
             <a:endParaRPr lang="en-US"/>
           </a:p>
@@ -3218,7 +3218,7 @@
           <a:p>
             <a:fld id="{3E62D69C-6875-48F7-B20D-CB317DFF406B}" type="datetime1">
               <a:rPr lang="en-US" smtClean="0"/>
-              <a:t>10/8/23</a:t>
+              <a:t>10/13/23</a:t>
             </a:fld>
             <a:endParaRPr lang="en-US"/>
           </a:p>
@@ -6254,474 +6254,6 @@
           <a:p>
             <a:r>
               <a:rPr lang="en-US" dirty="0"/>
-              <a:t>Buffer Overflow</a:t>
-            </a:r>
-          </a:p>
-        </p:txBody>
-      </p:sp>
-      <p:sp>
-        <p:nvSpPr>
-          <p:cNvPr id="3" name="Content Placeholder 2"/>
-          <p:cNvSpPr>
-            <a:spLocks noGrp="1"/>
-          </p:cNvSpPr>
-          <p:nvPr>
-            <p:ph idx="1"/>
-          </p:nvPr>
-        </p:nvSpPr>
-        <p:spPr/>
-        <p:txBody>
-          <a:bodyPr/>
-          <a:lstStyle/>
-          <a:p>
-            <a:r>
-              <a:rPr lang="en-US" dirty="0"/>
-              <a:t>more data is stored in an array than its declared size allows</a:t>
-            </a:r>
-          </a:p>
-          <a:p>
-            <a:r>
-              <a:rPr lang="en-US" dirty="0"/>
-              <a:t>a very dangerous condition</a:t>
-            </a:r>
-          </a:p>
-          <a:p>
-            <a:r>
-              <a:rPr lang="en-US" dirty="0"/>
-              <a:t>unlikely to be flagged as an error by either the compiler or the run-time system</a:t>
-            </a:r>
-          </a:p>
-          <a:p>
-            <a:endParaRPr lang="en-US" dirty="0"/>
-          </a:p>
-          <a:p>
-            <a:pPr marL="0" indent="0">
-              <a:buNone/>
-            </a:pPr>
-            <a:r>
-              <a:rPr lang="en-US" dirty="0"/>
-              <a:t>char string[8] = “hello world”;</a:t>
-            </a:r>
-          </a:p>
-          <a:p>
-            <a:endParaRPr lang="en-US" dirty="0"/>
-          </a:p>
-        </p:txBody>
-      </p:sp>
-      <p:sp>
-        <p:nvSpPr>
-          <p:cNvPr id="4" name="Footer Placeholder 3"/>
-          <p:cNvSpPr>
-            <a:spLocks noGrp="1"/>
-          </p:cNvSpPr>
-          <p:nvPr>
-            <p:ph type="ftr" sz="quarter" idx="11"/>
-          </p:nvPr>
-        </p:nvSpPr>
-        <p:spPr/>
-        <p:txBody>
-          <a:bodyPr/>
-          <a:lstStyle/>
-          <a:p>
-            <a:r>
-              <a:rPr lang="en-US"/>
-              <a:t>© 2016 Pearson Education, Inc., Hoboken, NJ.  All rights reserved.</a:t>
-            </a:r>
-          </a:p>
-        </p:txBody>
-      </p:sp>
-      <p:sp>
-        <p:nvSpPr>
-          <p:cNvPr id="5" name="Slide Number Placeholder 4"/>
-          <p:cNvSpPr>
-            <a:spLocks noGrp="1"/>
-          </p:cNvSpPr>
-          <p:nvPr>
-            <p:ph type="sldNum" sz="quarter" idx="12"/>
-          </p:nvPr>
-        </p:nvSpPr>
-        <p:spPr/>
-        <p:txBody>
-          <a:bodyPr/>
-          <a:lstStyle/>
-          <a:p>
-            <a:fld id="{85A8DA42-601D-40A8-83CA-2F2CBDE5F9F0}" type="slidenum">
-              <a:rPr lang="en-US" smtClean="0"/>
-              <a:t>17</a:t>
-            </a:fld>
-            <a:endParaRPr lang="en-US"/>
-          </a:p>
-        </p:txBody>
-      </p:sp>
-      <p:graphicFrame>
-        <p:nvGraphicFramePr>
-          <p:cNvPr id="7" name="Table 6">
-            <a:extLst>
-              <a:ext uri="{FF2B5EF4-FFF2-40B4-BE49-F238E27FC236}">
-                <a16:creationId xmlns:a16="http://schemas.microsoft.com/office/drawing/2014/main" id="{C2B56D11-7B44-4741-99CA-F8772D5A97BE}"/>
-              </a:ext>
-            </a:extLst>
-          </p:cNvPr>
-          <p:cNvGraphicFramePr>
-            <a:graphicFrameLocks noGrp="1"/>
-          </p:cNvGraphicFramePr>
-          <p:nvPr/>
-        </p:nvGraphicFramePr>
-        <p:xfrm>
-          <a:off x="609600" y="5562600"/>
-          <a:ext cx="5627076" cy="370840"/>
-        </p:xfrm>
-        <a:graphic>
-          <a:graphicData uri="http://schemas.openxmlformats.org/drawingml/2006/table">
-            <a:tbl>
-              <a:tblPr firstRow="1" bandRow="1">
-                <a:tableStyleId>{5C22544A-7EE6-4342-B048-85BDC9FD1C3A}</a:tableStyleId>
-              </a:tblPr>
-              <a:tblGrid>
-                <a:gridCol w="468923">
-                  <a:extLst>
-                    <a:ext uri="{9D8B030D-6E8A-4147-A177-3AD203B41FA5}">
-                      <a16:colId xmlns:a16="http://schemas.microsoft.com/office/drawing/2014/main" val="1779938980"/>
-                    </a:ext>
-                  </a:extLst>
-                </a:gridCol>
-                <a:gridCol w="468923">
-                  <a:extLst>
-                    <a:ext uri="{9D8B030D-6E8A-4147-A177-3AD203B41FA5}">
-                      <a16:colId xmlns:a16="http://schemas.microsoft.com/office/drawing/2014/main" val="2444946213"/>
-                    </a:ext>
-                  </a:extLst>
-                </a:gridCol>
-                <a:gridCol w="468923">
-                  <a:extLst>
-                    <a:ext uri="{9D8B030D-6E8A-4147-A177-3AD203B41FA5}">
-                      <a16:colId xmlns:a16="http://schemas.microsoft.com/office/drawing/2014/main" val="4226780890"/>
-                    </a:ext>
-                  </a:extLst>
-                </a:gridCol>
-                <a:gridCol w="468923">
-                  <a:extLst>
-                    <a:ext uri="{9D8B030D-6E8A-4147-A177-3AD203B41FA5}">
-                      <a16:colId xmlns:a16="http://schemas.microsoft.com/office/drawing/2014/main" val="2398260634"/>
-                    </a:ext>
-                  </a:extLst>
-                </a:gridCol>
-                <a:gridCol w="468923">
-                  <a:extLst>
-                    <a:ext uri="{9D8B030D-6E8A-4147-A177-3AD203B41FA5}">
-                      <a16:colId xmlns:a16="http://schemas.microsoft.com/office/drawing/2014/main" val="2397356584"/>
-                    </a:ext>
-                  </a:extLst>
-                </a:gridCol>
-                <a:gridCol w="468923">
-                  <a:extLst>
-                    <a:ext uri="{9D8B030D-6E8A-4147-A177-3AD203B41FA5}">
-                      <a16:colId xmlns:a16="http://schemas.microsoft.com/office/drawing/2014/main" val="2426189954"/>
-                    </a:ext>
-                  </a:extLst>
-                </a:gridCol>
-                <a:gridCol w="468923">
-                  <a:extLst>
-                    <a:ext uri="{9D8B030D-6E8A-4147-A177-3AD203B41FA5}">
-                      <a16:colId xmlns:a16="http://schemas.microsoft.com/office/drawing/2014/main" val="2164251816"/>
-                    </a:ext>
-                  </a:extLst>
-                </a:gridCol>
-                <a:gridCol w="468923">
-                  <a:extLst>
-                    <a:ext uri="{9D8B030D-6E8A-4147-A177-3AD203B41FA5}">
-                      <a16:colId xmlns:a16="http://schemas.microsoft.com/office/drawing/2014/main" val="1408974545"/>
-                    </a:ext>
-                  </a:extLst>
-                </a:gridCol>
-                <a:gridCol w="468923">
-                  <a:extLst>
-                    <a:ext uri="{9D8B030D-6E8A-4147-A177-3AD203B41FA5}">
-                      <a16:colId xmlns:a16="http://schemas.microsoft.com/office/drawing/2014/main" val="1117760491"/>
-                    </a:ext>
-                  </a:extLst>
-                </a:gridCol>
-                <a:gridCol w="468923">
-                  <a:extLst>
-                    <a:ext uri="{9D8B030D-6E8A-4147-A177-3AD203B41FA5}">
-                      <a16:colId xmlns:a16="http://schemas.microsoft.com/office/drawing/2014/main" val="1616605134"/>
-                    </a:ext>
-                  </a:extLst>
-                </a:gridCol>
-                <a:gridCol w="468923">
-                  <a:extLst>
-                    <a:ext uri="{9D8B030D-6E8A-4147-A177-3AD203B41FA5}">
-                      <a16:colId xmlns:a16="http://schemas.microsoft.com/office/drawing/2014/main" val="959407171"/>
-                    </a:ext>
-                  </a:extLst>
-                </a:gridCol>
-                <a:gridCol w="468923">
-                  <a:extLst>
-                    <a:ext uri="{9D8B030D-6E8A-4147-A177-3AD203B41FA5}">
-                      <a16:colId xmlns:a16="http://schemas.microsoft.com/office/drawing/2014/main" val="1289994049"/>
-                    </a:ext>
-                  </a:extLst>
-                </a:gridCol>
-              </a:tblGrid>
-              <a:tr h="370840">
-                <a:tc>
-                  <a:txBody>
-                    <a:bodyPr/>
-                    <a:lstStyle/>
-                    <a:p>
-                      <a:r>
-                        <a:rPr lang="en-US" dirty="0"/>
-                        <a:t>h</a:t>
-                      </a:r>
-                    </a:p>
-                  </a:txBody>
-                  <a:tcPr>
-                    <a:solidFill>
-                      <a:schemeClr val="accent2"/>
-                    </a:solidFill>
-                  </a:tcPr>
-                </a:tc>
-                <a:tc>
-                  <a:txBody>
-                    <a:bodyPr/>
-                    <a:lstStyle/>
-                    <a:p>
-                      <a:r>
-                        <a:rPr lang="en-US" dirty="0"/>
-                        <a:t>e</a:t>
-                      </a:r>
-                    </a:p>
-                  </a:txBody>
-                  <a:tcPr>
-                    <a:solidFill>
-                      <a:schemeClr val="accent2"/>
-                    </a:solidFill>
-                  </a:tcPr>
-                </a:tc>
-                <a:tc>
-                  <a:txBody>
-                    <a:bodyPr/>
-                    <a:lstStyle/>
-                    <a:p>
-                      <a:r>
-                        <a:rPr lang="en-US" dirty="0"/>
-                        <a:t>l</a:t>
-                      </a:r>
-                    </a:p>
-                  </a:txBody>
-                  <a:tcPr>
-                    <a:solidFill>
-                      <a:schemeClr val="accent2"/>
-                    </a:solidFill>
-                  </a:tcPr>
-                </a:tc>
-                <a:tc>
-                  <a:txBody>
-                    <a:bodyPr/>
-                    <a:lstStyle/>
-                    <a:p>
-                      <a:r>
-                        <a:rPr lang="en-US" dirty="0"/>
-                        <a:t>l</a:t>
-                      </a:r>
-                    </a:p>
-                  </a:txBody>
-                  <a:tcPr>
-                    <a:solidFill>
-                      <a:schemeClr val="accent2"/>
-                    </a:solidFill>
-                  </a:tcPr>
-                </a:tc>
-                <a:tc>
-                  <a:txBody>
-                    <a:bodyPr/>
-                    <a:lstStyle/>
-                    <a:p>
-                      <a:r>
-                        <a:rPr lang="en-US" dirty="0"/>
-                        <a:t>o</a:t>
-                      </a:r>
-                    </a:p>
-                  </a:txBody>
-                  <a:tcPr>
-                    <a:solidFill>
-                      <a:schemeClr val="accent2"/>
-                    </a:solidFill>
-                  </a:tcPr>
-                </a:tc>
-                <a:tc>
-                  <a:txBody>
-                    <a:bodyPr/>
-                    <a:lstStyle/>
-                    <a:p>
-                      <a:endParaRPr lang="en-US" dirty="0"/>
-                    </a:p>
-                  </a:txBody>
-                  <a:tcPr>
-                    <a:solidFill>
-                      <a:schemeClr val="accent2"/>
-                    </a:solidFill>
-                  </a:tcPr>
-                </a:tc>
-                <a:tc>
-                  <a:txBody>
-                    <a:bodyPr/>
-                    <a:lstStyle/>
-                    <a:p>
-                      <a:r>
-                        <a:rPr lang="en-US" dirty="0"/>
-                        <a:t>w</a:t>
-                      </a:r>
-                    </a:p>
-                  </a:txBody>
-                  <a:tcPr>
-                    <a:solidFill>
-                      <a:schemeClr val="accent2"/>
-                    </a:solidFill>
-                  </a:tcPr>
-                </a:tc>
-                <a:tc>
-                  <a:txBody>
-                    <a:bodyPr/>
-                    <a:lstStyle/>
-                    <a:p>
-                      <a:r>
-                        <a:rPr lang="en-US" dirty="0"/>
-                        <a:t>o</a:t>
-                      </a:r>
-                    </a:p>
-                  </a:txBody>
-                  <a:tcPr>
-                    <a:solidFill>
-                      <a:schemeClr val="accent2"/>
-                    </a:solidFill>
-                  </a:tcPr>
-                </a:tc>
-                <a:tc>
-                  <a:txBody>
-                    <a:bodyPr/>
-                    <a:lstStyle/>
-                    <a:p>
-                      <a:r>
-                        <a:rPr lang="en-US" dirty="0"/>
-                        <a:t>r</a:t>
-                      </a:r>
-                    </a:p>
-                  </a:txBody>
-                  <a:tcPr>
-                    <a:solidFill>
-                      <a:schemeClr val="accent4"/>
-                    </a:solidFill>
-                  </a:tcPr>
-                </a:tc>
-                <a:tc>
-                  <a:txBody>
-                    <a:bodyPr/>
-                    <a:lstStyle/>
-                    <a:p>
-                      <a:r>
-                        <a:rPr lang="en-US" dirty="0"/>
-                        <a:t>l</a:t>
-                      </a:r>
-                    </a:p>
-                  </a:txBody>
-                  <a:tcPr>
-                    <a:solidFill>
-                      <a:schemeClr val="accent4"/>
-                    </a:solidFill>
-                  </a:tcPr>
-                </a:tc>
-                <a:tc>
-                  <a:txBody>
-                    <a:bodyPr/>
-                    <a:lstStyle/>
-                    <a:p>
-                      <a:r>
-                        <a:rPr lang="en-US" dirty="0"/>
-                        <a:t>d</a:t>
-                      </a:r>
-                    </a:p>
-                  </a:txBody>
-                  <a:tcPr>
-                    <a:solidFill>
-                      <a:schemeClr val="accent4"/>
-                    </a:solidFill>
-                  </a:tcPr>
-                </a:tc>
-                <a:tc>
-                  <a:txBody>
-                    <a:bodyPr/>
-                    <a:lstStyle/>
-                    <a:p>
-                      <a:r>
-                        <a:rPr lang="en-US" dirty="0"/>
-                        <a:t>\0</a:t>
-                      </a:r>
-                    </a:p>
-                  </a:txBody>
-                  <a:tcPr>
-                    <a:solidFill>
-                      <a:schemeClr val="accent4"/>
-                    </a:solidFill>
-                  </a:tcPr>
-                </a:tc>
-                <a:extLst>
-                  <a:ext uri="{0D108BD9-81ED-4DB2-BD59-A6C34878D82A}">
-                    <a16:rowId xmlns:a16="http://schemas.microsoft.com/office/drawing/2014/main" val="567630943"/>
-                  </a:ext>
-                </a:extLst>
-              </a:tr>
-            </a:tbl>
-          </a:graphicData>
-        </a:graphic>
-      </p:graphicFrame>
-    </p:spTree>
-    <p:extLst>
-      <p:ext uri="{BB962C8B-B14F-4D97-AF65-F5344CB8AC3E}">
-        <p14:creationId xmlns:p14="http://schemas.microsoft.com/office/powerpoint/2010/main" val="470499502"/>
-      </p:ext>
-    </p:extLst>
-  </p:cSld>
-  <p:clrMapOvr>
-    <a:masterClrMapping/>
-  </p:clrMapOvr>
-</p:sld>
-</file>
-
-<file path=ppt/slides/slide18.xml><?xml version="1.0" encoding="utf-8"?>
-<p:sld xmlns:a="http://schemas.openxmlformats.org/drawingml/2006/main" xmlns:r="http://schemas.openxmlformats.org/officeDocument/2006/relationships" xmlns:p="http://schemas.openxmlformats.org/presentationml/2006/main">
-  <p:cSld>
-    <p:spTree>
-      <p:nvGrpSpPr>
-        <p:cNvPr id="1" name=""/>
-        <p:cNvGrpSpPr/>
-        <p:nvPr/>
-      </p:nvGrpSpPr>
-      <p:grpSpPr>
-        <a:xfrm>
-          <a:off x="0" y="0"/>
-          <a:ext cx="0" cy="0"/>
-          <a:chOff x="0" y="0"/>
-          <a:chExt cx="0" cy="0"/>
-        </a:xfrm>
-      </p:grpSpPr>
-      <p:sp>
-        <p:nvSpPr>
-          <p:cNvPr id="2" name="Title 1"/>
-          <p:cNvSpPr>
-            <a:spLocks noGrp="1"/>
-          </p:cNvSpPr>
-          <p:nvPr>
-            <p:ph type="title"/>
-          </p:nvPr>
-        </p:nvSpPr>
-        <p:spPr/>
-        <p:txBody>
-          <a:bodyPr/>
-          <a:lstStyle/>
-          <a:p>
-            <a:r>
-              <a:rPr lang="en-US" dirty="0"/>
               <a:t>String tokenization</a:t>
             </a:r>
           </a:p>
@@ -6766,7 +6298,7 @@
           <a:p>
             <a:fld id="{85A8DA42-601D-40A8-83CA-2F2CBDE5F9F0}" type="slidenum">
               <a:rPr lang="en-US" smtClean="0"/>
-              <a:t>18</a:t>
+              <a:t>17</a:t>
             </a:fld>
             <a:endParaRPr lang="en-US"/>
           </a:p>
@@ -6839,7 +6371,7 @@
 </p:sld>
 </file>
 
-<file path=ppt/slides/slide19.xml><?xml version="1.0" encoding="utf-8"?>
+<file path=ppt/slides/slide18.xml><?xml version="1.0" encoding="utf-8"?>
 <p:sld xmlns:a="http://schemas.openxmlformats.org/drawingml/2006/main" xmlns:r="http://schemas.openxmlformats.org/officeDocument/2006/relationships" xmlns:p="http://schemas.openxmlformats.org/presentationml/2006/main">
   <p:cSld>
     <p:spTree>
@@ -6917,7 +6449,7 @@
           <a:p>
             <a:fld id="{85A8DA42-601D-40A8-83CA-2F2CBDE5F9F0}" type="slidenum">
               <a:rPr lang="en-US" smtClean="0"/>
-              <a:t>19</a:t>
+              <a:t>18</a:t>
             </a:fld>
             <a:endParaRPr lang="en-US"/>
           </a:p>
@@ -6990,7 +6522,7 @@
 </p:sld>
 </file>
 
-<file path=ppt/slides/slide2.xml><?xml version="1.0" encoding="utf-8"?>
+<file path=ppt/slides/slide19.xml><?xml version="1.0" encoding="utf-8"?>
 <p:sld xmlns:a="http://schemas.openxmlformats.org/drawingml/2006/main" xmlns:r="http://schemas.openxmlformats.org/officeDocument/2006/relationships" xmlns:p="http://schemas.openxmlformats.org/presentationml/2006/main">
   <p:cSld>
     <p:spTree>
@@ -7024,203 +6556,6 @@
           <a:p>
             <a:r>
               <a:rPr lang="en-US" dirty="0"/>
-              <a:t>Chapter Objectives</a:t>
-            </a:r>
-          </a:p>
-        </p:txBody>
-      </p:sp>
-      <p:sp>
-        <p:nvSpPr>
-          <p:cNvPr id="3" name="Content Placeholder 2"/>
-          <p:cNvSpPr>
-            <a:spLocks noGrp="1"/>
-          </p:cNvSpPr>
-          <p:nvPr>
-            <p:ph idx="1"/>
-          </p:nvPr>
-        </p:nvSpPr>
-        <p:spPr/>
-        <p:txBody>
-          <a:bodyPr>
-            <a:normAutofit/>
-          </a:bodyPr>
-          <a:lstStyle/>
-          <a:p>
-            <a:r>
-              <a:rPr lang="en-US" dirty="0"/>
-              <a:t>To understand how a string constant is stored in an array of characters</a:t>
-            </a:r>
-          </a:p>
-          <a:p>
-            <a:r>
-              <a:rPr lang="en-US" dirty="0"/>
-              <a:t>To learn about the placeholder </a:t>
-            </a:r>
-            <a:r>
-              <a:rPr lang="en-US" dirty="0">
-                <a:solidFill>
-                  <a:srgbClr val="7030A0"/>
-                </a:solidFill>
-                <a:latin typeface="Cambria" panose="02040503050406030204" pitchFamily="18" charset="0"/>
-              </a:rPr>
-              <a:t>%s</a:t>
-            </a:r>
-            <a:r>
-              <a:rPr lang="en-US" dirty="0"/>
-              <a:t> and how it is used in </a:t>
-            </a:r>
-            <a:r>
-              <a:rPr lang="en-US" dirty="0" err="1">
-                <a:solidFill>
-                  <a:srgbClr val="7030A0"/>
-                </a:solidFill>
-                <a:latin typeface="Cambria" panose="02040503050406030204" pitchFamily="18" charset="0"/>
-              </a:rPr>
-              <a:t>printf</a:t>
-            </a:r>
-            <a:r>
-              <a:rPr lang="en-US" dirty="0">
-                <a:solidFill>
-                  <a:srgbClr val="7030A0"/>
-                </a:solidFill>
-              </a:rPr>
-              <a:t> </a:t>
-            </a:r>
-            <a:r>
-              <a:rPr lang="en-US" dirty="0"/>
-              <a:t>and </a:t>
-            </a:r>
-            <a:r>
-              <a:rPr lang="en-US" dirty="0" err="1">
-                <a:solidFill>
-                  <a:srgbClr val="7030A0"/>
-                </a:solidFill>
-                <a:latin typeface="Cambria" panose="02040503050406030204" pitchFamily="18" charset="0"/>
-              </a:rPr>
-              <a:t>scanf</a:t>
-            </a:r>
-            <a:r>
-              <a:rPr lang="en-US" dirty="0">
-                <a:solidFill>
-                  <a:srgbClr val="7030A0"/>
-                </a:solidFill>
-              </a:rPr>
-              <a:t> </a:t>
-            </a:r>
-            <a:r>
-              <a:rPr lang="en-US" dirty="0"/>
-              <a:t>operations</a:t>
-            </a:r>
-          </a:p>
-          <a:p>
-            <a:r>
-              <a:rPr lang="en-US" dirty="0"/>
-              <a:t>To learn some of the operations that can be performed on strings such as copying strings extracting substrings, and joining strings using functions from the library </a:t>
-            </a:r>
-            <a:r>
-              <a:rPr lang="en-US" dirty="0">
-                <a:solidFill>
-                  <a:srgbClr val="7030A0"/>
-                </a:solidFill>
-                <a:latin typeface="Cambria" panose="02040503050406030204" pitchFamily="18" charset="0"/>
-              </a:rPr>
-              <a:t>string</a:t>
-            </a:r>
-          </a:p>
-        </p:txBody>
-      </p:sp>
-      <p:sp>
-        <p:nvSpPr>
-          <p:cNvPr id="4" name="Footer Placeholder 3"/>
-          <p:cNvSpPr>
-            <a:spLocks noGrp="1"/>
-          </p:cNvSpPr>
-          <p:nvPr>
-            <p:ph type="ftr" sz="quarter" idx="11"/>
-          </p:nvPr>
-        </p:nvSpPr>
-        <p:spPr/>
-        <p:txBody>
-          <a:bodyPr/>
-          <a:lstStyle/>
-          <a:p>
-            <a:r>
-              <a:rPr lang="en-US"/>
-              <a:t>© 2016 Pearson Education, Inc., Hoboken, NJ.  All rights reserved.</a:t>
-            </a:r>
-          </a:p>
-        </p:txBody>
-      </p:sp>
-      <p:sp>
-        <p:nvSpPr>
-          <p:cNvPr id="5" name="Slide Number Placeholder 4"/>
-          <p:cNvSpPr>
-            <a:spLocks noGrp="1"/>
-          </p:cNvSpPr>
-          <p:nvPr>
-            <p:ph type="sldNum" sz="quarter" idx="12"/>
-          </p:nvPr>
-        </p:nvSpPr>
-        <p:spPr/>
-        <p:txBody>
-          <a:bodyPr/>
-          <a:lstStyle/>
-          <a:p>
-            <a:fld id="{85A8DA42-601D-40A8-83CA-2F2CBDE5F9F0}" type="slidenum">
-              <a:rPr lang="en-US" smtClean="0"/>
-              <a:t>2</a:t>
-            </a:fld>
-            <a:endParaRPr lang="en-US"/>
-          </a:p>
-        </p:txBody>
-      </p:sp>
-    </p:spTree>
-    <p:extLst>
-      <p:ext uri="{BB962C8B-B14F-4D97-AF65-F5344CB8AC3E}">
-        <p14:creationId xmlns:p14="http://schemas.microsoft.com/office/powerpoint/2010/main" val="2944743484"/>
-      </p:ext>
-    </p:extLst>
-  </p:cSld>
-  <p:clrMapOvr>
-    <a:masterClrMapping/>
-  </p:clrMapOvr>
-</p:sld>
-</file>
-
-<file path=ppt/slides/slide20.xml><?xml version="1.0" encoding="utf-8"?>
-<p:sld xmlns:a="http://schemas.openxmlformats.org/drawingml/2006/main" xmlns:r="http://schemas.openxmlformats.org/officeDocument/2006/relationships" xmlns:p="http://schemas.openxmlformats.org/presentationml/2006/main">
-  <p:cSld>
-    <p:spTree>
-      <p:nvGrpSpPr>
-        <p:cNvPr id="1" name=""/>
-        <p:cNvGrpSpPr/>
-        <p:nvPr/>
-      </p:nvGrpSpPr>
-      <p:grpSpPr>
-        <a:xfrm>
-          <a:off x="0" y="0"/>
-          <a:ext cx="0" cy="0"/>
-          <a:chOff x="0" y="0"/>
-          <a:chExt cx="0" cy="0"/>
-        </a:xfrm>
-      </p:grpSpPr>
-      <p:sp>
-        <p:nvSpPr>
-          <p:cNvPr id="2" name="Title 1"/>
-          <p:cNvSpPr>
-            <a:spLocks noGrp="1"/>
-          </p:cNvSpPr>
-          <p:nvPr>
-            <p:ph type="title"/>
-          </p:nvPr>
-        </p:nvSpPr>
-        <p:spPr/>
-        <p:txBody>
-          <a:bodyPr/>
-          <a:lstStyle/>
-          <a:p>
-            <a:r>
-              <a:rPr lang="en-US" dirty="0"/>
               <a:t>Substrings</a:t>
             </a:r>
           </a:p>
@@ -7265,7 +6600,7 @@
           <a:p>
             <a:fld id="{85A8DA42-601D-40A8-83CA-2F2CBDE5F9F0}" type="slidenum">
               <a:rPr lang="en-US" smtClean="0"/>
-              <a:t>20</a:t>
+              <a:t>19</a:t>
             </a:fld>
             <a:endParaRPr lang="en-US"/>
           </a:p>
@@ -7338,7 +6673,7 @@
 </p:sld>
 </file>
 
-<file path=ppt/slides/slide21.xml><?xml version="1.0" encoding="utf-8"?>
+<file path=ppt/slides/slide2.xml><?xml version="1.0" encoding="utf-8"?>
 <p:sld xmlns:a="http://schemas.openxmlformats.org/drawingml/2006/main" xmlns:r="http://schemas.openxmlformats.org/officeDocument/2006/relationships" xmlns:p="http://schemas.openxmlformats.org/presentationml/2006/main">
   <p:cSld>
     <p:spTree>
@@ -7372,6 +6707,203 @@
           <a:p>
             <a:r>
               <a:rPr lang="en-US" dirty="0"/>
+              <a:t>Chapter Objectives</a:t>
+            </a:r>
+          </a:p>
+        </p:txBody>
+      </p:sp>
+      <p:sp>
+        <p:nvSpPr>
+          <p:cNvPr id="3" name="Content Placeholder 2"/>
+          <p:cNvSpPr>
+            <a:spLocks noGrp="1"/>
+          </p:cNvSpPr>
+          <p:nvPr>
+            <p:ph idx="1"/>
+          </p:nvPr>
+        </p:nvSpPr>
+        <p:spPr/>
+        <p:txBody>
+          <a:bodyPr>
+            <a:normAutofit/>
+          </a:bodyPr>
+          <a:lstStyle/>
+          <a:p>
+            <a:r>
+              <a:rPr lang="en-US" dirty="0"/>
+              <a:t>To understand how a string constant is stored in an array of characters</a:t>
+            </a:r>
+          </a:p>
+          <a:p>
+            <a:r>
+              <a:rPr lang="en-US" dirty="0"/>
+              <a:t>To learn about the placeholder </a:t>
+            </a:r>
+            <a:r>
+              <a:rPr lang="en-US" dirty="0">
+                <a:solidFill>
+                  <a:srgbClr val="7030A0"/>
+                </a:solidFill>
+                <a:latin typeface="Cambria" panose="02040503050406030204" pitchFamily="18" charset="0"/>
+              </a:rPr>
+              <a:t>%s</a:t>
+            </a:r>
+            <a:r>
+              <a:rPr lang="en-US" dirty="0"/>
+              <a:t> and how it is used in </a:t>
+            </a:r>
+            <a:r>
+              <a:rPr lang="en-US" dirty="0" err="1">
+                <a:solidFill>
+                  <a:srgbClr val="7030A0"/>
+                </a:solidFill>
+                <a:latin typeface="Cambria" panose="02040503050406030204" pitchFamily="18" charset="0"/>
+              </a:rPr>
+              <a:t>printf</a:t>
+            </a:r>
+            <a:r>
+              <a:rPr lang="en-US" dirty="0">
+                <a:solidFill>
+                  <a:srgbClr val="7030A0"/>
+                </a:solidFill>
+              </a:rPr>
+              <a:t> </a:t>
+            </a:r>
+            <a:r>
+              <a:rPr lang="en-US" dirty="0"/>
+              <a:t>and </a:t>
+            </a:r>
+            <a:r>
+              <a:rPr lang="en-US" dirty="0" err="1">
+                <a:solidFill>
+                  <a:srgbClr val="7030A0"/>
+                </a:solidFill>
+                <a:latin typeface="Cambria" panose="02040503050406030204" pitchFamily="18" charset="0"/>
+              </a:rPr>
+              <a:t>scanf</a:t>
+            </a:r>
+            <a:r>
+              <a:rPr lang="en-US" dirty="0">
+                <a:solidFill>
+                  <a:srgbClr val="7030A0"/>
+                </a:solidFill>
+              </a:rPr>
+              <a:t> </a:t>
+            </a:r>
+            <a:r>
+              <a:rPr lang="en-US" dirty="0"/>
+              <a:t>operations</a:t>
+            </a:r>
+          </a:p>
+          <a:p>
+            <a:r>
+              <a:rPr lang="en-US" dirty="0"/>
+              <a:t>To learn some of the operations that can be performed on strings such as copying strings extracting substrings, and joining strings using functions from the library </a:t>
+            </a:r>
+            <a:r>
+              <a:rPr lang="en-US" dirty="0">
+                <a:solidFill>
+                  <a:srgbClr val="7030A0"/>
+                </a:solidFill>
+                <a:latin typeface="Cambria" panose="02040503050406030204" pitchFamily="18" charset="0"/>
+              </a:rPr>
+              <a:t>string</a:t>
+            </a:r>
+          </a:p>
+        </p:txBody>
+      </p:sp>
+      <p:sp>
+        <p:nvSpPr>
+          <p:cNvPr id="4" name="Footer Placeholder 3"/>
+          <p:cNvSpPr>
+            <a:spLocks noGrp="1"/>
+          </p:cNvSpPr>
+          <p:nvPr>
+            <p:ph type="ftr" sz="quarter" idx="11"/>
+          </p:nvPr>
+        </p:nvSpPr>
+        <p:spPr/>
+        <p:txBody>
+          <a:bodyPr/>
+          <a:lstStyle/>
+          <a:p>
+            <a:r>
+              <a:rPr lang="en-US"/>
+              <a:t>© 2016 Pearson Education, Inc., Hoboken, NJ.  All rights reserved.</a:t>
+            </a:r>
+          </a:p>
+        </p:txBody>
+      </p:sp>
+      <p:sp>
+        <p:nvSpPr>
+          <p:cNvPr id="5" name="Slide Number Placeholder 4"/>
+          <p:cNvSpPr>
+            <a:spLocks noGrp="1"/>
+          </p:cNvSpPr>
+          <p:nvPr>
+            <p:ph type="sldNum" sz="quarter" idx="12"/>
+          </p:nvPr>
+        </p:nvSpPr>
+        <p:spPr/>
+        <p:txBody>
+          <a:bodyPr/>
+          <a:lstStyle/>
+          <a:p>
+            <a:fld id="{85A8DA42-601D-40A8-83CA-2F2CBDE5F9F0}" type="slidenum">
+              <a:rPr lang="en-US" smtClean="0"/>
+              <a:t>2</a:t>
+            </a:fld>
+            <a:endParaRPr lang="en-US"/>
+          </a:p>
+        </p:txBody>
+      </p:sp>
+    </p:spTree>
+    <p:extLst>
+      <p:ext uri="{BB962C8B-B14F-4D97-AF65-F5344CB8AC3E}">
+        <p14:creationId xmlns:p14="http://schemas.microsoft.com/office/powerpoint/2010/main" val="2944743484"/>
+      </p:ext>
+    </p:extLst>
+  </p:cSld>
+  <p:clrMapOvr>
+    <a:masterClrMapping/>
+  </p:clrMapOvr>
+</p:sld>
+</file>
+
+<file path=ppt/slides/slide20.xml><?xml version="1.0" encoding="utf-8"?>
+<p:sld xmlns:a="http://schemas.openxmlformats.org/drawingml/2006/main" xmlns:r="http://schemas.openxmlformats.org/officeDocument/2006/relationships" xmlns:p="http://schemas.openxmlformats.org/presentationml/2006/main">
+  <p:cSld>
+    <p:spTree>
+      <p:nvGrpSpPr>
+        <p:cNvPr id="1" name=""/>
+        <p:cNvGrpSpPr/>
+        <p:nvPr/>
+      </p:nvGrpSpPr>
+      <p:grpSpPr>
+        <a:xfrm>
+          <a:off x="0" y="0"/>
+          <a:ext cx="0" cy="0"/>
+          <a:chOff x="0" y="0"/>
+          <a:chExt cx="0" cy="0"/>
+        </a:xfrm>
+      </p:grpSpPr>
+      <p:sp>
+        <p:nvSpPr>
+          <p:cNvPr id="2" name="Title 1"/>
+          <p:cNvSpPr>
+            <a:spLocks noGrp="1"/>
+          </p:cNvSpPr>
+          <p:nvPr>
+            <p:ph type="title"/>
+          </p:nvPr>
+        </p:nvSpPr>
+        <p:spPr/>
+        <p:txBody>
+          <a:bodyPr/>
+          <a:lstStyle/>
+          <a:p>
+            <a:r>
+              <a:rPr lang="en-US" dirty="0"/>
               <a:t>Substrings</a:t>
             </a:r>
           </a:p>
@@ -7416,7 +6948,7 @@
           <a:p>
             <a:fld id="{85A8DA42-601D-40A8-83CA-2F2CBDE5F9F0}" type="slidenum">
               <a:rPr lang="en-US" smtClean="0"/>
-              <a:t>21</a:t>
+              <a:t>20</a:t>
             </a:fld>
             <a:endParaRPr lang="en-US"/>
           </a:p>
@@ -7489,7 +7021,7 @@
 </p:sld>
 </file>
 
-<file path=ppt/slides/slide22.xml><?xml version="1.0" encoding="utf-8"?>
+<file path=ppt/slides/slide21.xml><?xml version="1.0" encoding="utf-8"?>
 <p:sld xmlns:a="http://schemas.openxmlformats.org/drawingml/2006/main" xmlns:r="http://schemas.openxmlformats.org/officeDocument/2006/relationships" xmlns:p="http://schemas.openxmlformats.org/presentationml/2006/main">
   <p:cSld>
     <p:spTree>
@@ -7567,7 +7099,7 @@
           <a:p>
             <a:fld id="{85A8DA42-601D-40A8-83CA-2F2CBDE5F9F0}" type="slidenum">
               <a:rPr lang="en-US" smtClean="0"/>
-              <a:t>22</a:t>
+              <a:t>21</a:t>
             </a:fld>
             <a:endParaRPr lang="en-US"/>
           </a:p>
@@ -8174,6 +7706,474 @@
 </p:sld>
 </file>
 
+<file path=ppt/slides/slide22.xml><?xml version="1.0" encoding="utf-8"?>
+<p:sld xmlns:a="http://schemas.openxmlformats.org/drawingml/2006/main" xmlns:r="http://schemas.openxmlformats.org/officeDocument/2006/relationships" xmlns:p="http://schemas.openxmlformats.org/presentationml/2006/main">
+  <p:cSld>
+    <p:spTree>
+      <p:nvGrpSpPr>
+        <p:cNvPr id="1" name=""/>
+        <p:cNvGrpSpPr/>
+        <p:nvPr/>
+      </p:nvGrpSpPr>
+      <p:grpSpPr>
+        <a:xfrm>
+          <a:off x="0" y="0"/>
+          <a:ext cx="0" cy="0"/>
+          <a:chOff x="0" y="0"/>
+          <a:chExt cx="0" cy="0"/>
+        </a:xfrm>
+      </p:grpSpPr>
+      <p:sp>
+        <p:nvSpPr>
+          <p:cNvPr id="2" name="Title 1"/>
+          <p:cNvSpPr>
+            <a:spLocks noGrp="1"/>
+          </p:cNvSpPr>
+          <p:nvPr>
+            <p:ph type="title"/>
+          </p:nvPr>
+        </p:nvSpPr>
+        <p:spPr/>
+        <p:txBody>
+          <a:bodyPr/>
+          <a:lstStyle/>
+          <a:p>
+            <a:r>
+              <a:rPr lang="en-US" dirty="0"/>
+              <a:t>Buffer Overflow</a:t>
+            </a:r>
+          </a:p>
+        </p:txBody>
+      </p:sp>
+      <p:sp>
+        <p:nvSpPr>
+          <p:cNvPr id="3" name="Content Placeholder 2"/>
+          <p:cNvSpPr>
+            <a:spLocks noGrp="1"/>
+          </p:cNvSpPr>
+          <p:nvPr>
+            <p:ph idx="1"/>
+          </p:nvPr>
+        </p:nvSpPr>
+        <p:spPr/>
+        <p:txBody>
+          <a:bodyPr/>
+          <a:lstStyle/>
+          <a:p>
+            <a:r>
+              <a:rPr lang="en-US" dirty="0"/>
+              <a:t>more data is stored in an array than its declared size allows</a:t>
+            </a:r>
+          </a:p>
+          <a:p>
+            <a:r>
+              <a:rPr lang="en-US" dirty="0"/>
+              <a:t>a very dangerous condition</a:t>
+            </a:r>
+          </a:p>
+          <a:p>
+            <a:r>
+              <a:rPr lang="en-US" dirty="0"/>
+              <a:t>unlikely to be flagged as an error by either the compiler or the run-time system</a:t>
+            </a:r>
+          </a:p>
+          <a:p>
+            <a:endParaRPr lang="en-US" dirty="0"/>
+          </a:p>
+          <a:p>
+            <a:pPr marL="0" indent="0">
+              <a:buNone/>
+            </a:pPr>
+            <a:r>
+              <a:rPr lang="en-US" dirty="0"/>
+              <a:t>char string[8] = “hello world”;</a:t>
+            </a:r>
+          </a:p>
+          <a:p>
+            <a:endParaRPr lang="en-US" dirty="0"/>
+          </a:p>
+        </p:txBody>
+      </p:sp>
+      <p:sp>
+        <p:nvSpPr>
+          <p:cNvPr id="4" name="Footer Placeholder 3"/>
+          <p:cNvSpPr>
+            <a:spLocks noGrp="1"/>
+          </p:cNvSpPr>
+          <p:nvPr>
+            <p:ph type="ftr" sz="quarter" idx="11"/>
+          </p:nvPr>
+        </p:nvSpPr>
+        <p:spPr/>
+        <p:txBody>
+          <a:bodyPr/>
+          <a:lstStyle/>
+          <a:p>
+            <a:r>
+              <a:rPr lang="en-US"/>
+              <a:t>© 2016 Pearson Education, Inc., Hoboken, NJ.  All rights reserved.</a:t>
+            </a:r>
+          </a:p>
+        </p:txBody>
+      </p:sp>
+      <p:sp>
+        <p:nvSpPr>
+          <p:cNvPr id="5" name="Slide Number Placeholder 4"/>
+          <p:cNvSpPr>
+            <a:spLocks noGrp="1"/>
+          </p:cNvSpPr>
+          <p:nvPr>
+            <p:ph type="sldNum" sz="quarter" idx="12"/>
+          </p:nvPr>
+        </p:nvSpPr>
+        <p:spPr/>
+        <p:txBody>
+          <a:bodyPr/>
+          <a:lstStyle/>
+          <a:p>
+            <a:fld id="{85A8DA42-601D-40A8-83CA-2F2CBDE5F9F0}" type="slidenum">
+              <a:rPr lang="en-US" smtClean="0"/>
+              <a:t>22</a:t>
+            </a:fld>
+            <a:endParaRPr lang="en-US"/>
+          </a:p>
+        </p:txBody>
+      </p:sp>
+      <p:graphicFrame>
+        <p:nvGraphicFramePr>
+          <p:cNvPr id="7" name="Table 6">
+            <a:extLst>
+              <a:ext uri="{FF2B5EF4-FFF2-40B4-BE49-F238E27FC236}">
+                <a16:creationId xmlns:a16="http://schemas.microsoft.com/office/drawing/2014/main" id="{C2B56D11-7B44-4741-99CA-F8772D5A97BE}"/>
+              </a:ext>
+            </a:extLst>
+          </p:cNvPr>
+          <p:cNvGraphicFramePr>
+            <a:graphicFrameLocks noGrp="1"/>
+          </p:cNvGraphicFramePr>
+          <p:nvPr/>
+        </p:nvGraphicFramePr>
+        <p:xfrm>
+          <a:off x="609600" y="5562600"/>
+          <a:ext cx="5627076" cy="370840"/>
+        </p:xfrm>
+        <a:graphic>
+          <a:graphicData uri="http://schemas.openxmlformats.org/drawingml/2006/table">
+            <a:tbl>
+              <a:tblPr firstRow="1" bandRow="1">
+                <a:tableStyleId>{5C22544A-7EE6-4342-B048-85BDC9FD1C3A}</a:tableStyleId>
+              </a:tblPr>
+              <a:tblGrid>
+                <a:gridCol w="468923">
+                  <a:extLst>
+                    <a:ext uri="{9D8B030D-6E8A-4147-A177-3AD203B41FA5}">
+                      <a16:colId xmlns:a16="http://schemas.microsoft.com/office/drawing/2014/main" val="1779938980"/>
+                    </a:ext>
+                  </a:extLst>
+                </a:gridCol>
+                <a:gridCol w="468923">
+                  <a:extLst>
+                    <a:ext uri="{9D8B030D-6E8A-4147-A177-3AD203B41FA5}">
+                      <a16:colId xmlns:a16="http://schemas.microsoft.com/office/drawing/2014/main" val="2444946213"/>
+                    </a:ext>
+                  </a:extLst>
+                </a:gridCol>
+                <a:gridCol w="468923">
+                  <a:extLst>
+                    <a:ext uri="{9D8B030D-6E8A-4147-A177-3AD203B41FA5}">
+                      <a16:colId xmlns:a16="http://schemas.microsoft.com/office/drawing/2014/main" val="4226780890"/>
+                    </a:ext>
+                  </a:extLst>
+                </a:gridCol>
+                <a:gridCol w="468923">
+                  <a:extLst>
+                    <a:ext uri="{9D8B030D-6E8A-4147-A177-3AD203B41FA5}">
+                      <a16:colId xmlns:a16="http://schemas.microsoft.com/office/drawing/2014/main" val="2398260634"/>
+                    </a:ext>
+                  </a:extLst>
+                </a:gridCol>
+                <a:gridCol w="468923">
+                  <a:extLst>
+                    <a:ext uri="{9D8B030D-6E8A-4147-A177-3AD203B41FA5}">
+                      <a16:colId xmlns:a16="http://schemas.microsoft.com/office/drawing/2014/main" val="2397356584"/>
+                    </a:ext>
+                  </a:extLst>
+                </a:gridCol>
+                <a:gridCol w="468923">
+                  <a:extLst>
+                    <a:ext uri="{9D8B030D-6E8A-4147-A177-3AD203B41FA5}">
+                      <a16:colId xmlns:a16="http://schemas.microsoft.com/office/drawing/2014/main" val="2426189954"/>
+                    </a:ext>
+                  </a:extLst>
+                </a:gridCol>
+                <a:gridCol w="468923">
+                  <a:extLst>
+                    <a:ext uri="{9D8B030D-6E8A-4147-A177-3AD203B41FA5}">
+                      <a16:colId xmlns:a16="http://schemas.microsoft.com/office/drawing/2014/main" val="2164251816"/>
+                    </a:ext>
+                  </a:extLst>
+                </a:gridCol>
+                <a:gridCol w="468923">
+                  <a:extLst>
+                    <a:ext uri="{9D8B030D-6E8A-4147-A177-3AD203B41FA5}">
+                      <a16:colId xmlns:a16="http://schemas.microsoft.com/office/drawing/2014/main" val="1408974545"/>
+                    </a:ext>
+                  </a:extLst>
+                </a:gridCol>
+                <a:gridCol w="468923">
+                  <a:extLst>
+                    <a:ext uri="{9D8B030D-6E8A-4147-A177-3AD203B41FA5}">
+                      <a16:colId xmlns:a16="http://schemas.microsoft.com/office/drawing/2014/main" val="1117760491"/>
+                    </a:ext>
+                  </a:extLst>
+                </a:gridCol>
+                <a:gridCol w="468923">
+                  <a:extLst>
+                    <a:ext uri="{9D8B030D-6E8A-4147-A177-3AD203B41FA5}">
+                      <a16:colId xmlns:a16="http://schemas.microsoft.com/office/drawing/2014/main" val="1616605134"/>
+                    </a:ext>
+                  </a:extLst>
+                </a:gridCol>
+                <a:gridCol w="468923">
+                  <a:extLst>
+                    <a:ext uri="{9D8B030D-6E8A-4147-A177-3AD203B41FA5}">
+                      <a16:colId xmlns:a16="http://schemas.microsoft.com/office/drawing/2014/main" val="959407171"/>
+                    </a:ext>
+                  </a:extLst>
+                </a:gridCol>
+                <a:gridCol w="468923">
+                  <a:extLst>
+                    <a:ext uri="{9D8B030D-6E8A-4147-A177-3AD203B41FA5}">
+                      <a16:colId xmlns:a16="http://schemas.microsoft.com/office/drawing/2014/main" val="1289994049"/>
+                    </a:ext>
+                  </a:extLst>
+                </a:gridCol>
+              </a:tblGrid>
+              <a:tr h="370840">
+                <a:tc>
+                  <a:txBody>
+                    <a:bodyPr/>
+                    <a:lstStyle/>
+                    <a:p>
+                      <a:r>
+                        <a:rPr lang="en-US" dirty="0"/>
+                        <a:t>h</a:t>
+                      </a:r>
+                    </a:p>
+                  </a:txBody>
+                  <a:tcPr>
+                    <a:solidFill>
+                      <a:schemeClr val="accent2"/>
+                    </a:solidFill>
+                  </a:tcPr>
+                </a:tc>
+                <a:tc>
+                  <a:txBody>
+                    <a:bodyPr/>
+                    <a:lstStyle/>
+                    <a:p>
+                      <a:r>
+                        <a:rPr lang="en-US" dirty="0"/>
+                        <a:t>e</a:t>
+                      </a:r>
+                    </a:p>
+                  </a:txBody>
+                  <a:tcPr>
+                    <a:solidFill>
+                      <a:schemeClr val="accent2"/>
+                    </a:solidFill>
+                  </a:tcPr>
+                </a:tc>
+                <a:tc>
+                  <a:txBody>
+                    <a:bodyPr/>
+                    <a:lstStyle/>
+                    <a:p>
+                      <a:r>
+                        <a:rPr lang="en-US" dirty="0"/>
+                        <a:t>l</a:t>
+                      </a:r>
+                    </a:p>
+                  </a:txBody>
+                  <a:tcPr>
+                    <a:solidFill>
+                      <a:schemeClr val="accent2"/>
+                    </a:solidFill>
+                  </a:tcPr>
+                </a:tc>
+                <a:tc>
+                  <a:txBody>
+                    <a:bodyPr/>
+                    <a:lstStyle/>
+                    <a:p>
+                      <a:r>
+                        <a:rPr lang="en-US" dirty="0"/>
+                        <a:t>l</a:t>
+                      </a:r>
+                    </a:p>
+                  </a:txBody>
+                  <a:tcPr>
+                    <a:solidFill>
+                      <a:schemeClr val="accent2"/>
+                    </a:solidFill>
+                  </a:tcPr>
+                </a:tc>
+                <a:tc>
+                  <a:txBody>
+                    <a:bodyPr/>
+                    <a:lstStyle/>
+                    <a:p>
+                      <a:r>
+                        <a:rPr lang="en-US" dirty="0"/>
+                        <a:t>o</a:t>
+                      </a:r>
+                    </a:p>
+                  </a:txBody>
+                  <a:tcPr>
+                    <a:solidFill>
+                      <a:schemeClr val="accent2"/>
+                    </a:solidFill>
+                  </a:tcPr>
+                </a:tc>
+                <a:tc>
+                  <a:txBody>
+                    <a:bodyPr/>
+                    <a:lstStyle/>
+                    <a:p>
+                      <a:endParaRPr lang="en-US" dirty="0"/>
+                    </a:p>
+                  </a:txBody>
+                  <a:tcPr>
+                    <a:solidFill>
+                      <a:schemeClr val="accent2"/>
+                    </a:solidFill>
+                  </a:tcPr>
+                </a:tc>
+                <a:tc>
+                  <a:txBody>
+                    <a:bodyPr/>
+                    <a:lstStyle/>
+                    <a:p>
+                      <a:r>
+                        <a:rPr lang="en-US" dirty="0"/>
+                        <a:t>w</a:t>
+                      </a:r>
+                    </a:p>
+                  </a:txBody>
+                  <a:tcPr>
+                    <a:solidFill>
+                      <a:schemeClr val="accent2"/>
+                    </a:solidFill>
+                  </a:tcPr>
+                </a:tc>
+                <a:tc>
+                  <a:txBody>
+                    <a:bodyPr/>
+                    <a:lstStyle/>
+                    <a:p>
+                      <a:r>
+                        <a:rPr lang="en-US" dirty="0"/>
+                        <a:t>o</a:t>
+                      </a:r>
+                    </a:p>
+                  </a:txBody>
+                  <a:tcPr>
+                    <a:solidFill>
+                      <a:schemeClr val="accent2"/>
+                    </a:solidFill>
+                  </a:tcPr>
+                </a:tc>
+                <a:tc>
+                  <a:txBody>
+                    <a:bodyPr/>
+                    <a:lstStyle/>
+                    <a:p>
+                      <a:r>
+                        <a:rPr lang="en-US" dirty="0"/>
+                        <a:t>r</a:t>
+                      </a:r>
+                    </a:p>
+                  </a:txBody>
+                  <a:tcPr>
+                    <a:solidFill>
+                      <a:schemeClr val="accent4"/>
+                    </a:solidFill>
+                  </a:tcPr>
+                </a:tc>
+                <a:tc>
+                  <a:txBody>
+                    <a:bodyPr/>
+                    <a:lstStyle/>
+                    <a:p>
+                      <a:r>
+                        <a:rPr lang="en-US" dirty="0"/>
+                        <a:t>l</a:t>
+                      </a:r>
+                    </a:p>
+                  </a:txBody>
+                  <a:tcPr>
+                    <a:solidFill>
+                      <a:schemeClr val="accent4"/>
+                    </a:solidFill>
+                  </a:tcPr>
+                </a:tc>
+                <a:tc>
+                  <a:txBody>
+                    <a:bodyPr/>
+                    <a:lstStyle/>
+                    <a:p>
+                      <a:r>
+                        <a:rPr lang="en-US" dirty="0"/>
+                        <a:t>d</a:t>
+                      </a:r>
+                    </a:p>
+                  </a:txBody>
+                  <a:tcPr>
+                    <a:solidFill>
+                      <a:schemeClr val="accent4"/>
+                    </a:solidFill>
+                  </a:tcPr>
+                </a:tc>
+                <a:tc>
+                  <a:txBody>
+                    <a:bodyPr/>
+                    <a:lstStyle/>
+                    <a:p>
+                      <a:r>
+                        <a:rPr lang="en-US" dirty="0"/>
+                        <a:t>\0</a:t>
+                      </a:r>
+                    </a:p>
+                  </a:txBody>
+                  <a:tcPr>
+                    <a:solidFill>
+                      <a:schemeClr val="accent4"/>
+                    </a:solidFill>
+                  </a:tcPr>
+                </a:tc>
+                <a:extLst>
+                  <a:ext uri="{0D108BD9-81ED-4DB2-BD59-A6C34878D82A}">
+                    <a16:rowId xmlns:a16="http://schemas.microsoft.com/office/drawing/2014/main" val="567630943"/>
+                  </a:ext>
+                </a:extLst>
+              </a:tr>
+            </a:tbl>
+          </a:graphicData>
+        </a:graphic>
+      </p:graphicFrame>
+    </p:spTree>
+    <p:extLst>
+      <p:ext uri="{BB962C8B-B14F-4D97-AF65-F5344CB8AC3E}">
+        <p14:creationId xmlns:p14="http://schemas.microsoft.com/office/powerpoint/2010/main" val="3954284950"/>
+      </p:ext>
+    </p:extLst>
+  </p:cSld>
+  <p:clrMapOvr>
+    <a:masterClrMapping/>
+  </p:clrMapOvr>
+</p:sld>
+</file>
+
 <file path=ppt/slides/slide23.xml><?xml version="1.0" encoding="utf-8"?>
 <p:sld xmlns:a="http://schemas.openxmlformats.org/drawingml/2006/main" xmlns:r="http://schemas.openxmlformats.org/officeDocument/2006/relationships" xmlns:p="http://schemas.openxmlformats.org/presentationml/2006/main">
   <p:cSld>
@@ -10945,138 +10945,6 @@
       </p:sp>
       <p:sp>
         <p:nvSpPr>
-          <p:cNvPr id="100" name="TextBox 99">
-            <a:extLst>
-              <a:ext uri="{FF2B5EF4-FFF2-40B4-BE49-F238E27FC236}">
-                <a16:creationId xmlns:a16="http://schemas.microsoft.com/office/drawing/2014/main" id="{4F526C66-1F39-7247-8562-15155F7868AB}"/>
-              </a:ext>
-            </a:extLst>
-          </p:cNvPr>
-          <p:cNvSpPr txBox="1"/>
-          <p:nvPr/>
-        </p:nvSpPr>
-        <p:spPr>
-          <a:xfrm>
-            <a:off x="914400" y="4419600"/>
-            <a:ext cx="651140" cy="646331"/>
-          </a:xfrm>
-          <a:prstGeom prst="rect">
-            <a:avLst/>
-          </a:prstGeom>
-          <a:noFill/>
-        </p:spPr>
-        <p:txBody>
-          <a:bodyPr wrap="none" lIns="91440" tIns="45720" rIns="91440" bIns="45720" rtlCol="0" anchor="t">
-            <a:spAutoFit/>
-          </a:bodyPr>
-          <a:lstStyle/>
-          <a:p>
-            <a:r>
-              <a:rPr lang="en-US" dirty="0">
-                <a:ea typeface="+mn-lt"/>
-                <a:cs typeface="+mn-lt"/>
-              </a:rPr>
-              <a:t>e421</a:t>
-            </a:r>
-            <a:endParaRPr lang="en-US" dirty="0"/>
-          </a:p>
-          <a:p>
-            <a:endParaRPr lang="en-US" dirty="0">
-              <a:cs typeface="Calibri"/>
-            </a:endParaRPr>
-          </a:p>
-        </p:txBody>
-      </p:sp>
-      <p:sp>
-        <p:nvSpPr>
-          <p:cNvPr id="101" name="TextBox 100">
-            <a:extLst>
-              <a:ext uri="{FF2B5EF4-FFF2-40B4-BE49-F238E27FC236}">
-                <a16:creationId xmlns:a16="http://schemas.microsoft.com/office/drawing/2014/main" id="{B1839FF1-BD0F-F842-ADAD-0B5DC92E5390}"/>
-              </a:ext>
-            </a:extLst>
-          </p:cNvPr>
-          <p:cNvSpPr txBox="1"/>
-          <p:nvPr/>
-        </p:nvSpPr>
-        <p:spPr>
-          <a:xfrm>
-            <a:off x="914400" y="4887181"/>
-            <a:ext cx="651140" cy="646331"/>
-          </a:xfrm>
-          <a:prstGeom prst="rect">
-            <a:avLst/>
-          </a:prstGeom>
-          <a:noFill/>
-        </p:spPr>
-        <p:txBody>
-          <a:bodyPr wrap="none" lIns="91440" tIns="45720" rIns="91440" bIns="45720" rtlCol="0" anchor="t">
-            <a:spAutoFit/>
-          </a:bodyPr>
-          <a:lstStyle/>
-          <a:p>
-            <a:r>
-              <a:rPr lang="en-US" dirty="0">
-                <a:ea typeface="+mn-lt"/>
-                <a:cs typeface="+mn-lt"/>
-              </a:rPr>
-              <a:t>e412</a:t>
-            </a:r>
-            <a:endParaRPr lang="en-US" dirty="0"/>
-          </a:p>
-          <a:p>
-            <a:endParaRPr lang="en-US" dirty="0">
-              <a:cs typeface="Calibri"/>
-            </a:endParaRPr>
-          </a:p>
-        </p:txBody>
-      </p:sp>
-      <p:sp>
-        <p:nvSpPr>
-          <p:cNvPr id="102" name="TextBox 101">
-            <a:extLst>
-              <a:ext uri="{FF2B5EF4-FFF2-40B4-BE49-F238E27FC236}">
-                <a16:creationId xmlns:a16="http://schemas.microsoft.com/office/drawing/2014/main" id="{CB556FC4-E402-EE41-8791-D0D6560C4293}"/>
-              </a:ext>
-            </a:extLst>
-          </p:cNvPr>
-          <p:cNvSpPr txBox="1"/>
-          <p:nvPr/>
-        </p:nvSpPr>
-        <p:spPr>
-          <a:xfrm>
-            <a:off x="939163" y="5417005"/>
-            <a:ext cx="651140" cy="646331"/>
-          </a:xfrm>
-          <a:prstGeom prst="rect">
-            <a:avLst/>
-          </a:prstGeom>
-          <a:noFill/>
-        </p:spPr>
-        <p:txBody>
-          <a:bodyPr wrap="none" lIns="91440" tIns="45720" rIns="91440" bIns="45720" rtlCol="0" anchor="t">
-            <a:spAutoFit/>
-          </a:bodyPr>
-          <a:lstStyle/>
-          <a:p>
-            <a:r>
-              <a:rPr lang="en-US" dirty="0">
-                <a:ea typeface="+mn-lt"/>
-                <a:cs typeface="+mn-lt"/>
-              </a:rPr>
-              <a:t>e403</a:t>
-            </a:r>
-            <a:endParaRPr lang="en-US" dirty="0"/>
-          </a:p>
-          <a:p>
-            <a:endParaRPr lang="en-US" dirty="0">
-              <a:cs typeface="Calibri"/>
-            </a:endParaRPr>
-          </a:p>
-        </p:txBody>
-      </p:sp>
-      <p:sp>
-        <p:nvSpPr>
           <p:cNvPr id="103" name="Title 1">
             <a:extLst>
               <a:ext uri="{FF2B5EF4-FFF2-40B4-BE49-F238E27FC236}">
@@ -11100,6 +10968,138 @@
               <a:rPr lang="en-US" dirty="0"/>
               <a:t>Concatenation</a:t>
             </a:r>
+          </a:p>
+        </p:txBody>
+      </p:sp>
+      <p:sp>
+        <p:nvSpPr>
+          <p:cNvPr id="54" name="TextBox 53">
+            <a:extLst>
+              <a:ext uri="{FF2B5EF4-FFF2-40B4-BE49-F238E27FC236}">
+                <a16:creationId xmlns:a16="http://schemas.microsoft.com/office/drawing/2014/main" id="{A078A752-9E9B-DF49-B812-A96FDF4211EA}"/>
+              </a:ext>
+            </a:extLst>
+          </p:cNvPr>
+          <p:cNvSpPr txBox="1"/>
+          <p:nvPr/>
+        </p:nvSpPr>
+        <p:spPr>
+          <a:xfrm>
+            <a:off x="762000" y="4419600"/>
+            <a:ext cx="861454" cy="646331"/>
+          </a:xfrm>
+          <a:prstGeom prst="rect">
+            <a:avLst/>
+          </a:prstGeom>
+          <a:noFill/>
+        </p:spPr>
+        <p:txBody>
+          <a:bodyPr wrap="none" lIns="91440" tIns="45720" rIns="91440" bIns="45720" rtlCol="0" anchor="t">
+            <a:spAutoFit/>
+          </a:bodyPr>
+          <a:lstStyle/>
+          <a:p>
+            <a:r>
+              <a:rPr lang="en-US" dirty="0">
+                <a:ea typeface="+mn-lt"/>
+                <a:cs typeface="+mn-lt"/>
+              </a:rPr>
+              <a:t>0xe421</a:t>
+            </a:r>
+            <a:endParaRPr lang="en-US" dirty="0"/>
+          </a:p>
+          <a:p>
+            <a:endParaRPr lang="en-US" dirty="0">
+              <a:cs typeface="Calibri"/>
+            </a:endParaRPr>
+          </a:p>
+        </p:txBody>
+      </p:sp>
+      <p:sp>
+        <p:nvSpPr>
+          <p:cNvPr id="104" name="TextBox 103">
+            <a:extLst>
+              <a:ext uri="{FF2B5EF4-FFF2-40B4-BE49-F238E27FC236}">
+                <a16:creationId xmlns:a16="http://schemas.microsoft.com/office/drawing/2014/main" id="{331DB7EE-AB55-6343-8B78-45FEEAA0A0E1}"/>
+              </a:ext>
+            </a:extLst>
+          </p:cNvPr>
+          <p:cNvSpPr txBox="1"/>
+          <p:nvPr/>
+        </p:nvSpPr>
+        <p:spPr>
+          <a:xfrm>
+            <a:off x="762000" y="4887181"/>
+            <a:ext cx="861454" cy="646331"/>
+          </a:xfrm>
+          <a:prstGeom prst="rect">
+            <a:avLst/>
+          </a:prstGeom>
+          <a:noFill/>
+        </p:spPr>
+        <p:txBody>
+          <a:bodyPr wrap="none" lIns="91440" tIns="45720" rIns="91440" bIns="45720" rtlCol="0" anchor="t">
+            <a:spAutoFit/>
+          </a:bodyPr>
+          <a:lstStyle/>
+          <a:p>
+            <a:r>
+              <a:rPr lang="en-US" dirty="0">
+                <a:ea typeface="+mn-lt"/>
+                <a:cs typeface="+mn-lt"/>
+              </a:rPr>
+              <a:t>0xe412</a:t>
+            </a:r>
+            <a:endParaRPr lang="en-US" dirty="0"/>
+          </a:p>
+          <a:p>
+            <a:endParaRPr lang="en-US" dirty="0">
+              <a:cs typeface="Calibri"/>
+            </a:endParaRPr>
+          </a:p>
+        </p:txBody>
+      </p:sp>
+      <p:sp>
+        <p:nvSpPr>
+          <p:cNvPr id="105" name="TextBox 104">
+            <a:extLst>
+              <a:ext uri="{FF2B5EF4-FFF2-40B4-BE49-F238E27FC236}">
+                <a16:creationId xmlns:a16="http://schemas.microsoft.com/office/drawing/2014/main" id="{5B4B896A-9A31-7C46-9AA4-95BBB105628B}"/>
+              </a:ext>
+            </a:extLst>
+          </p:cNvPr>
+          <p:cNvSpPr txBox="1"/>
+          <p:nvPr/>
+        </p:nvSpPr>
+        <p:spPr>
+          <a:xfrm>
+            <a:off x="762000" y="5417005"/>
+            <a:ext cx="861454" cy="646331"/>
+          </a:xfrm>
+          <a:prstGeom prst="rect">
+            <a:avLst/>
+          </a:prstGeom>
+          <a:noFill/>
+        </p:spPr>
+        <p:txBody>
+          <a:bodyPr wrap="none" lIns="91440" tIns="45720" rIns="91440" bIns="45720" rtlCol="0" anchor="t">
+            <a:spAutoFit/>
+          </a:bodyPr>
+          <a:lstStyle/>
+          <a:p>
+            <a:r>
+              <a:rPr lang="en-US" dirty="0">
+                <a:ea typeface="+mn-lt"/>
+                <a:cs typeface="+mn-lt"/>
+              </a:rPr>
+              <a:t>0xe403</a:t>
+            </a:r>
+            <a:endParaRPr lang="en-US" dirty="0"/>
+          </a:p>
+          <a:p>
+            <a:endParaRPr lang="en-US" dirty="0">
+              <a:cs typeface="Calibri"/>
+            </a:endParaRPr>
           </a:p>
         </p:txBody>
       </p:sp>
@@ -13686,10 +13686,10 @@
       </p:sp>
       <p:sp>
         <p:nvSpPr>
-          <p:cNvPr id="148" name="TextBox 147">
+          <p:cNvPr id="55" name="TextBox 54">
             <a:extLst>
               <a:ext uri="{FF2B5EF4-FFF2-40B4-BE49-F238E27FC236}">
-                <a16:creationId xmlns:a16="http://schemas.microsoft.com/office/drawing/2014/main" id="{BC713F55-2967-CB4E-B6BD-89A2FCC79B03}"/>
+                <a16:creationId xmlns:a16="http://schemas.microsoft.com/office/drawing/2014/main" id="{C704D966-5DB8-5849-9157-6A55321DFAA1}"/>
               </a:ext>
             </a:extLst>
           </p:cNvPr>
@@ -13698,8 +13698,8 @@
         </p:nvSpPr>
         <p:spPr>
           <a:xfrm>
-            <a:off x="914400" y="4419600"/>
-            <a:ext cx="651140" cy="646331"/>
+            <a:off x="762000" y="4419600"/>
+            <a:ext cx="861454" cy="646331"/>
           </a:xfrm>
           <a:prstGeom prst="rect">
             <a:avLst/>
@@ -13717,7 +13717,7 @@
                 <a:ea typeface="+mn-lt"/>
                 <a:cs typeface="+mn-lt"/>
               </a:rPr>
-              <a:t>e421</a:t>
+              <a:t>0xe421</a:t>
             </a:r>
             <a:endParaRPr lang="en-US" dirty="0"/>
           </a:p>
@@ -13730,10 +13730,10 @@
       </p:sp>
       <p:sp>
         <p:nvSpPr>
-          <p:cNvPr id="149" name="TextBox 148">
+          <p:cNvPr id="56" name="TextBox 55">
             <a:extLst>
               <a:ext uri="{FF2B5EF4-FFF2-40B4-BE49-F238E27FC236}">
-                <a16:creationId xmlns:a16="http://schemas.microsoft.com/office/drawing/2014/main" id="{E2D122FF-B778-7148-A181-0CAD1B3D9D89}"/>
+                <a16:creationId xmlns:a16="http://schemas.microsoft.com/office/drawing/2014/main" id="{F9DE7CA0-30F9-D04B-B899-6D3B3027CAF0}"/>
               </a:ext>
             </a:extLst>
           </p:cNvPr>
@@ -13742,8 +13742,8 @@
         </p:nvSpPr>
         <p:spPr>
           <a:xfrm>
-            <a:off x="914400" y="4887181"/>
-            <a:ext cx="651140" cy="646331"/>
+            <a:off x="762000" y="4887181"/>
+            <a:ext cx="861454" cy="646331"/>
           </a:xfrm>
           <a:prstGeom prst="rect">
             <a:avLst/>
@@ -13761,7 +13761,7 @@
                 <a:ea typeface="+mn-lt"/>
                 <a:cs typeface="+mn-lt"/>
               </a:rPr>
-              <a:t>e412</a:t>
+              <a:t>0xe412</a:t>
             </a:r>
             <a:endParaRPr lang="en-US" dirty="0"/>
           </a:p>
@@ -13774,10 +13774,10 @@
       </p:sp>
       <p:sp>
         <p:nvSpPr>
-          <p:cNvPr id="150" name="TextBox 149">
+          <p:cNvPr id="57" name="TextBox 56">
             <a:extLst>
               <a:ext uri="{FF2B5EF4-FFF2-40B4-BE49-F238E27FC236}">
-                <a16:creationId xmlns:a16="http://schemas.microsoft.com/office/drawing/2014/main" id="{1B9A7613-9F63-1C43-8B47-2677AC1CE78B}"/>
+                <a16:creationId xmlns:a16="http://schemas.microsoft.com/office/drawing/2014/main" id="{B85DEAF8-5D2D-0643-A4E6-A41D32C50AC1}"/>
               </a:ext>
             </a:extLst>
           </p:cNvPr>
@@ -13786,8 +13786,8 @@
         </p:nvSpPr>
         <p:spPr>
           <a:xfrm>
-            <a:off x="939163" y="5417005"/>
-            <a:ext cx="651140" cy="646331"/>
+            <a:off x="762000" y="5417005"/>
+            <a:ext cx="861454" cy="646331"/>
           </a:xfrm>
           <a:prstGeom prst="rect">
             <a:avLst/>
@@ -13805,7 +13805,7 @@
                 <a:ea typeface="+mn-lt"/>
                 <a:cs typeface="+mn-lt"/>
               </a:rPr>
-              <a:t>e403</a:t>
+              <a:t>0xe403</a:t>
             </a:r>
             <a:endParaRPr lang="en-US" dirty="0"/>
           </a:p>
@@ -16420,8 +16420,8 @@
         </p:nvSpPr>
         <p:spPr>
           <a:xfrm>
-            <a:off x="914400" y="4419600"/>
-            <a:ext cx="651140" cy="646331"/>
+            <a:off x="762000" y="4419600"/>
+            <a:ext cx="861454" cy="646331"/>
           </a:xfrm>
           <a:prstGeom prst="rect">
             <a:avLst/>
@@ -16439,7 +16439,7 @@
                 <a:ea typeface="+mn-lt"/>
                 <a:cs typeface="+mn-lt"/>
               </a:rPr>
-              <a:t>e421</a:t>
+              <a:t>0xe421</a:t>
             </a:r>
             <a:endParaRPr lang="en-US" dirty="0"/>
           </a:p>
@@ -16464,8 +16464,8 @@
         </p:nvSpPr>
         <p:spPr>
           <a:xfrm>
-            <a:off x="914400" y="4887181"/>
-            <a:ext cx="651140" cy="646331"/>
+            <a:off x="762000" y="4887181"/>
+            <a:ext cx="861454" cy="646331"/>
           </a:xfrm>
           <a:prstGeom prst="rect">
             <a:avLst/>
@@ -16483,7 +16483,7 @@
                 <a:ea typeface="+mn-lt"/>
                 <a:cs typeface="+mn-lt"/>
               </a:rPr>
-              <a:t>e412</a:t>
+              <a:t>0xe412</a:t>
             </a:r>
             <a:endParaRPr lang="en-US" dirty="0"/>
           </a:p>
@@ -16508,8 +16508,8 @@
         </p:nvSpPr>
         <p:spPr>
           <a:xfrm>
-            <a:off x="939163" y="5417005"/>
-            <a:ext cx="651140" cy="646331"/>
+            <a:off x="762000" y="5417005"/>
+            <a:ext cx="861454" cy="646331"/>
           </a:xfrm>
           <a:prstGeom prst="rect">
             <a:avLst/>
@@ -16527,7 +16527,7 @@
                 <a:ea typeface="+mn-lt"/>
                 <a:cs typeface="+mn-lt"/>
               </a:rPr>
-              <a:t>e403</a:t>
+              <a:t>0xe403</a:t>
             </a:r>
             <a:endParaRPr lang="en-US" dirty="0"/>
           </a:p>
@@ -19127,138 +19127,6 @@
       </p:sp>
       <p:sp>
         <p:nvSpPr>
-          <p:cNvPr id="148" name="TextBox 147">
-            <a:extLst>
-              <a:ext uri="{FF2B5EF4-FFF2-40B4-BE49-F238E27FC236}">
-                <a16:creationId xmlns:a16="http://schemas.microsoft.com/office/drawing/2014/main" id="{BC713F55-2967-CB4E-B6BD-89A2FCC79B03}"/>
-              </a:ext>
-            </a:extLst>
-          </p:cNvPr>
-          <p:cNvSpPr txBox="1"/>
-          <p:nvPr/>
-        </p:nvSpPr>
-        <p:spPr>
-          <a:xfrm>
-            <a:off x="914400" y="4419600"/>
-            <a:ext cx="651140" cy="646331"/>
-          </a:xfrm>
-          <a:prstGeom prst="rect">
-            <a:avLst/>
-          </a:prstGeom>
-          <a:noFill/>
-        </p:spPr>
-        <p:txBody>
-          <a:bodyPr wrap="none" lIns="91440" tIns="45720" rIns="91440" bIns="45720" rtlCol="0" anchor="t">
-            <a:spAutoFit/>
-          </a:bodyPr>
-          <a:lstStyle/>
-          <a:p>
-            <a:r>
-              <a:rPr lang="en-US" dirty="0">
-                <a:ea typeface="+mn-lt"/>
-                <a:cs typeface="+mn-lt"/>
-              </a:rPr>
-              <a:t>e421</a:t>
-            </a:r>
-            <a:endParaRPr lang="en-US" dirty="0"/>
-          </a:p>
-          <a:p>
-            <a:endParaRPr lang="en-US" dirty="0">
-              <a:cs typeface="Calibri"/>
-            </a:endParaRPr>
-          </a:p>
-        </p:txBody>
-      </p:sp>
-      <p:sp>
-        <p:nvSpPr>
-          <p:cNvPr id="149" name="TextBox 148">
-            <a:extLst>
-              <a:ext uri="{FF2B5EF4-FFF2-40B4-BE49-F238E27FC236}">
-                <a16:creationId xmlns:a16="http://schemas.microsoft.com/office/drawing/2014/main" id="{E2D122FF-B778-7148-A181-0CAD1B3D9D89}"/>
-              </a:ext>
-            </a:extLst>
-          </p:cNvPr>
-          <p:cNvSpPr txBox="1"/>
-          <p:nvPr/>
-        </p:nvSpPr>
-        <p:spPr>
-          <a:xfrm>
-            <a:off x="914400" y="4887181"/>
-            <a:ext cx="651140" cy="646331"/>
-          </a:xfrm>
-          <a:prstGeom prst="rect">
-            <a:avLst/>
-          </a:prstGeom>
-          <a:noFill/>
-        </p:spPr>
-        <p:txBody>
-          <a:bodyPr wrap="none" lIns="91440" tIns="45720" rIns="91440" bIns="45720" rtlCol="0" anchor="t">
-            <a:spAutoFit/>
-          </a:bodyPr>
-          <a:lstStyle/>
-          <a:p>
-            <a:r>
-              <a:rPr lang="en-US" dirty="0">
-                <a:ea typeface="+mn-lt"/>
-                <a:cs typeface="+mn-lt"/>
-              </a:rPr>
-              <a:t>e412</a:t>
-            </a:r>
-            <a:endParaRPr lang="en-US" dirty="0"/>
-          </a:p>
-          <a:p>
-            <a:endParaRPr lang="en-US" dirty="0">
-              <a:cs typeface="Calibri"/>
-            </a:endParaRPr>
-          </a:p>
-        </p:txBody>
-      </p:sp>
-      <p:sp>
-        <p:nvSpPr>
-          <p:cNvPr id="150" name="TextBox 149">
-            <a:extLst>
-              <a:ext uri="{FF2B5EF4-FFF2-40B4-BE49-F238E27FC236}">
-                <a16:creationId xmlns:a16="http://schemas.microsoft.com/office/drawing/2014/main" id="{1B9A7613-9F63-1C43-8B47-2677AC1CE78B}"/>
-              </a:ext>
-            </a:extLst>
-          </p:cNvPr>
-          <p:cNvSpPr txBox="1"/>
-          <p:nvPr/>
-        </p:nvSpPr>
-        <p:spPr>
-          <a:xfrm>
-            <a:off x="939163" y="5417005"/>
-            <a:ext cx="651140" cy="646331"/>
-          </a:xfrm>
-          <a:prstGeom prst="rect">
-            <a:avLst/>
-          </a:prstGeom>
-          <a:noFill/>
-        </p:spPr>
-        <p:txBody>
-          <a:bodyPr wrap="none" lIns="91440" tIns="45720" rIns="91440" bIns="45720" rtlCol="0" anchor="t">
-            <a:spAutoFit/>
-          </a:bodyPr>
-          <a:lstStyle/>
-          <a:p>
-            <a:r>
-              <a:rPr lang="en-US" dirty="0">
-                <a:ea typeface="+mn-lt"/>
-                <a:cs typeface="+mn-lt"/>
-              </a:rPr>
-              <a:t>e403</a:t>
-            </a:r>
-            <a:endParaRPr lang="en-US" dirty="0"/>
-          </a:p>
-          <a:p>
-            <a:endParaRPr lang="en-US" dirty="0">
-              <a:cs typeface="Calibri"/>
-            </a:endParaRPr>
-          </a:p>
-        </p:txBody>
-      </p:sp>
-      <p:sp>
-        <p:nvSpPr>
           <p:cNvPr id="2" name="TextBox 1">
             <a:extLst>
               <a:ext uri="{FF2B5EF4-FFF2-40B4-BE49-F238E27FC236}">
@@ -19289,6 +19157,138 @@
               <a:rPr lang="en-US" dirty="0"/>
               <a:t>overflow!</a:t>
             </a:r>
+          </a:p>
+        </p:txBody>
+      </p:sp>
+      <p:sp>
+        <p:nvSpPr>
+          <p:cNvPr id="55" name="TextBox 54">
+            <a:extLst>
+              <a:ext uri="{FF2B5EF4-FFF2-40B4-BE49-F238E27FC236}">
+                <a16:creationId xmlns:a16="http://schemas.microsoft.com/office/drawing/2014/main" id="{2D47A4D1-8567-9649-8752-E3FF26882105}"/>
+              </a:ext>
+            </a:extLst>
+          </p:cNvPr>
+          <p:cNvSpPr txBox="1"/>
+          <p:nvPr/>
+        </p:nvSpPr>
+        <p:spPr>
+          <a:xfrm>
+            <a:off x="762000" y="4419600"/>
+            <a:ext cx="861454" cy="646331"/>
+          </a:xfrm>
+          <a:prstGeom prst="rect">
+            <a:avLst/>
+          </a:prstGeom>
+          <a:noFill/>
+        </p:spPr>
+        <p:txBody>
+          <a:bodyPr wrap="none" lIns="91440" tIns="45720" rIns="91440" bIns="45720" rtlCol="0" anchor="t">
+            <a:spAutoFit/>
+          </a:bodyPr>
+          <a:lstStyle/>
+          <a:p>
+            <a:r>
+              <a:rPr lang="en-US" dirty="0">
+                <a:ea typeface="+mn-lt"/>
+                <a:cs typeface="+mn-lt"/>
+              </a:rPr>
+              <a:t>0xe421</a:t>
+            </a:r>
+            <a:endParaRPr lang="en-US" dirty="0"/>
+          </a:p>
+          <a:p>
+            <a:endParaRPr lang="en-US" dirty="0">
+              <a:cs typeface="Calibri"/>
+            </a:endParaRPr>
+          </a:p>
+        </p:txBody>
+      </p:sp>
+      <p:sp>
+        <p:nvSpPr>
+          <p:cNvPr id="56" name="TextBox 55">
+            <a:extLst>
+              <a:ext uri="{FF2B5EF4-FFF2-40B4-BE49-F238E27FC236}">
+                <a16:creationId xmlns:a16="http://schemas.microsoft.com/office/drawing/2014/main" id="{84DDDA2C-7E69-514C-AC2B-3E6A0DACA49B}"/>
+              </a:ext>
+            </a:extLst>
+          </p:cNvPr>
+          <p:cNvSpPr txBox="1"/>
+          <p:nvPr/>
+        </p:nvSpPr>
+        <p:spPr>
+          <a:xfrm>
+            <a:off x="762000" y="4887181"/>
+            <a:ext cx="861454" cy="646331"/>
+          </a:xfrm>
+          <a:prstGeom prst="rect">
+            <a:avLst/>
+          </a:prstGeom>
+          <a:noFill/>
+        </p:spPr>
+        <p:txBody>
+          <a:bodyPr wrap="none" lIns="91440" tIns="45720" rIns="91440" bIns="45720" rtlCol="0" anchor="t">
+            <a:spAutoFit/>
+          </a:bodyPr>
+          <a:lstStyle/>
+          <a:p>
+            <a:r>
+              <a:rPr lang="en-US" dirty="0">
+                <a:ea typeface="+mn-lt"/>
+                <a:cs typeface="+mn-lt"/>
+              </a:rPr>
+              <a:t>0xe412</a:t>
+            </a:r>
+            <a:endParaRPr lang="en-US" dirty="0"/>
+          </a:p>
+          <a:p>
+            <a:endParaRPr lang="en-US" dirty="0">
+              <a:cs typeface="Calibri"/>
+            </a:endParaRPr>
+          </a:p>
+        </p:txBody>
+      </p:sp>
+      <p:sp>
+        <p:nvSpPr>
+          <p:cNvPr id="57" name="TextBox 56">
+            <a:extLst>
+              <a:ext uri="{FF2B5EF4-FFF2-40B4-BE49-F238E27FC236}">
+                <a16:creationId xmlns:a16="http://schemas.microsoft.com/office/drawing/2014/main" id="{451A2BFF-A2EA-7241-82ED-410BB35EF867}"/>
+              </a:ext>
+            </a:extLst>
+          </p:cNvPr>
+          <p:cNvSpPr txBox="1"/>
+          <p:nvPr/>
+        </p:nvSpPr>
+        <p:spPr>
+          <a:xfrm>
+            <a:off x="762000" y="5417005"/>
+            <a:ext cx="861454" cy="646331"/>
+          </a:xfrm>
+          <a:prstGeom prst="rect">
+            <a:avLst/>
+          </a:prstGeom>
+          <a:noFill/>
+        </p:spPr>
+        <p:txBody>
+          <a:bodyPr wrap="none" lIns="91440" tIns="45720" rIns="91440" bIns="45720" rtlCol="0" anchor="t">
+            <a:spAutoFit/>
+          </a:bodyPr>
+          <a:lstStyle/>
+          <a:p>
+            <a:r>
+              <a:rPr lang="en-US" dirty="0">
+                <a:ea typeface="+mn-lt"/>
+                <a:cs typeface="+mn-lt"/>
+              </a:rPr>
+              <a:t>0xe403</a:t>
+            </a:r>
+            <a:endParaRPr lang="en-US" dirty="0"/>
+          </a:p>
+          <a:p>
+            <a:endParaRPr lang="en-US" dirty="0">
+              <a:cs typeface="Calibri"/>
+            </a:endParaRPr>
           </a:p>
         </p:txBody>
       </p:sp>

--- a/_teaching/csci112-fall-2023/lectures/ppts/Chapter8.pptx
+++ b/_teaching/csci112-fall-2023/lectures/ppts/Chapter8.pptx
@@ -5,7 +5,7 @@
     <p:sldMasterId id="2147483696" r:id="rId1"/>
   </p:sldMasterIdLst>
   <p:notesMasterIdLst>
-    <p:notesMasterId r:id="rId37"/>
+    <p:notesMasterId r:id="rId38"/>
   </p:notesMasterIdLst>
   <p:sldIdLst>
     <p:sldId id="256" r:id="rId2"/>
@@ -37,12 +37,13 @@
     <p:sldId id="343" r:id="rId28"/>
     <p:sldId id="344" r:id="rId29"/>
     <p:sldId id="294" r:id="rId30"/>
-    <p:sldId id="295" r:id="rId31"/>
-    <p:sldId id="297" r:id="rId32"/>
-    <p:sldId id="312" r:id="rId33"/>
-    <p:sldId id="313" r:id="rId34"/>
-    <p:sldId id="338" r:id="rId35"/>
-    <p:sldId id="339" r:id="rId36"/>
+    <p:sldId id="349" r:id="rId31"/>
+    <p:sldId id="350" r:id="rId32"/>
+    <p:sldId id="297" r:id="rId33"/>
+    <p:sldId id="312" r:id="rId34"/>
+    <p:sldId id="313" r:id="rId35"/>
+    <p:sldId id="338" r:id="rId36"/>
+    <p:sldId id="339" r:id="rId37"/>
   </p:sldIdLst>
   <p:sldSz cx="9144000" cy="6858000" type="screen4x3"/>
   <p:notesSz cx="6858000" cy="9144000"/>
@@ -242,7 +243,7 @@
           <a:p>
             <a:fld id="{E98CB7A6-F9BD-49C3-9ECF-4DAF095CBB1C}" type="datetimeFigureOut">
               <a:rPr lang="en-US" smtClean="0"/>
-              <a:t>10/13/23</a:t>
+              <a:t>10/31/23</a:t>
             </a:fld>
             <a:endParaRPr lang="en-US"/>
           </a:p>
@@ -772,7 +773,7 @@
           <a:p>
             <a:fld id="{E3D5AC34-6369-47AD-9227-C94D863A9CC0}" type="datetime1">
               <a:rPr lang="en-US" smtClean="0"/>
-              <a:t>10/13/23</a:t>
+              <a:t>10/31/23</a:t>
             </a:fld>
             <a:endParaRPr lang="en-US"/>
           </a:p>
@@ -943,7 +944,7 @@
           <a:p>
             <a:fld id="{072AE9C9-84B0-4CCC-8BB5-D31EF955DABF}" type="datetime1">
               <a:rPr lang="en-US" smtClean="0"/>
-              <a:t>10/13/23</a:t>
+              <a:t>10/31/23</a:t>
             </a:fld>
             <a:endParaRPr lang="en-US"/>
           </a:p>
@@ -1124,7 +1125,7 @@
           <a:p>
             <a:fld id="{418459C9-6810-46A7-8E27-73A52524CA34}" type="datetime1">
               <a:rPr lang="en-US" smtClean="0"/>
-              <a:t>10/13/23</a:t>
+              <a:t>10/31/23</a:t>
             </a:fld>
             <a:endParaRPr lang="en-US"/>
           </a:p>
@@ -1295,7 +1296,7 @@
           <a:p>
             <a:fld id="{F7BCA306-D31B-4E3C-AD40-EA3294957AA6}" type="datetime1">
               <a:rPr lang="en-US" smtClean="0"/>
-              <a:t>10/13/23</a:t>
+              <a:t>10/31/23</a:t>
             </a:fld>
             <a:endParaRPr lang="en-US"/>
           </a:p>
@@ -1543,7 +1544,7 @@
           <a:p>
             <a:fld id="{5C41660C-86E2-43CF-B22A-29E62815AB7D}" type="datetime1">
               <a:rPr lang="en-US" smtClean="0"/>
-              <a:t>10/13/23</a:t>
+              <a:t>10/31/23</a:t>
             </a:fld>
             <a:endParaRPr lang="en-US"/>
           </a:p>
@@ -1831,7 +1832,7 @@
           <a:p>
             <a:fld id="{94543629-6BC7-4BF9-A2A1-981038F36C55}" type="datetime1">
               <a:rPr lang="en-US" smtClean="0"/>
-              <a:t>10/13/23</a:t>
+              <a:t>10/31/23</a:t>
             </a:fld>
             <a:endParaRPr lang="en-US"/>
           </a:p>
@@ -2253,7 +2254,7 @@
           <a:p>
             <a:fld id="{EB5B99CF-F104-4BC6-A098-3ABC219C8A7D}" type="datetime1">
               <a:rPr lang="en-US" smtClean="0"/>
-              <a:t>10/13/23</a:t>
+              <a:t>10/31/23</a:t>
             </a:fld>
             <a:endParaRPr lang="en-US"/>
           </a:p>
@@ -2373,7 +2374,7 @@
           <a:p>
             <a:fld id="{C07800F5-980D-47D4-9F20-E5F458E76937}" type="datetime1">
               <a:rPr lang="en-US" smtClean="0"/>
-              <a:t>10/13/23</a:t>
+              <a:t>10/31/23</a:t>
             </a:fld>
             <a:endParaRPr lang="en-US"/>
           </a:p>
@@ -2471,7 +2472,7 @@
           <a:p>
             <a:fld id="{913B0C59-39A1-4E7B-8276-56A7060F0A3E}" type="datetime1">
               <a:rPr lang="en-US" smtClean="0"/>
-              <a:t>10/13/23</a:t>
+              <a:t>10/31/23</a:t>
             </a:fld>
             <a:endParaRPr lang="en-US"/>
           </a:p>
@@ -2749,7 +2750,7 @@
           <a:p>
             <a:fld id="{C453B8A8-F829-4B10-8A5D-952BBAE5F11B}" type="datetime1">
               <a:rPr lang="en-US" smtClean="0"/>
-              <a:t>10/13/23</a:t>
+              <a:t>10/31/23</a:t>
             </a:fld>
             <a:endParaRPr lang="en-US"/>
           </a:p>
@@ -3004,7 +3005,7 @@
           <a:p>
             <a:fld id="{805C8FAD-01C2-4C81-8B26-770D72A95E71}" type="datetime1">
               <a:rPr lang="en-US" smtClean="0"/>
-              <a:t>10/13/23</a:t>
+              <a:t>10/31/23</a:t>
             </a:fld>
             <a:endParaRPr lang="en-US"/>
           </a:p>
@@ -3218,7 +3219,7 @@
           <a:p>
             <a:fld id="{3E62D69C-6875-48F7-B20D-CB317DFF406B}" type="datetime1">
               <a:rPr lang="en-US" smtClean="0"/>
-              <a:t>10/13/23</a:t>
+              <a:t>10/31/23</a:t>
             </a:fld>
             <a:endParaRPr lang="en-US"/>
           </a:p>
@@ -19682,29 +19683,13 @@
       </p:grpSpPr>
       <p:sp>
         <p:nvSpPr>
-          <p:cNvPr id="2" name="Footer Placeholder 1"/>
-          <p:cNvSpPr>
-            <a:spLocks noGrp="1"/>
-          </p:cNvSpPr>
-          <p:nvPr>
-            <p:ph type="ftr" sz="quarter" idx="11"/>
-          </p:nvPr>
-        </p:nvSpPr>
-        <p:spPr/>
-        <p:txBody>
-          <a:bodyPr/>
-          <a:lstStyle/>
-          <a:p>
-            <a:r>
-              <a:rPr lang="en-US"/>
-              <a:t>© 2016 Pearson Education, Inc., Hoboken, NJ.  All rights reserved.</a:t>
-            </a:r>
-          </a:p>
-        </p:txBody>
-      </p:sp>
-      <p:sp>
-        <p:nvSpPr>
-          <p:cNvPr id="3" name="Slide Number Placeholder 2"/>
+          <p:cNvPr id="5" name="Slide Number Placeholder 4">
+            <a:extLst>
+              <a:ext uri="{FF2B5EF4-FFF2-40B4-BE49-F238E27FC236}">
+                <a16:creationId xmlns:a16="http://schemas.microsoft.com/office/drawing/2014/main" id="{4BC84D2D-4141-9B4C-874A-AEB461DBCA4A}"/>
+              </a:ext>
+            </a:extLst>
+          </p:cNvPr>
           <p:cNvSpPr>
             <a:spLocks noGrp="1"/>
           </p:cNvSpPr>
@@ -19725,64 +19710,865 @@
           </a:p>
         </p:txBody>
       </p:sp>
-      <p:pic>
-        <p:nvPicPr>
-          <p:cNvPr id="19458" name="Picture 2"/>
-          <p:cNvPicPr>
-            <a:picLocks noChangeAspect="1" noChangeArrowheads="1"/>
-          </p:cNvPicPr>
+      <p:graphicFrame>
+        <p:nvGraphicFramePr>
+          <p:cNvPr id="6" name="Table 6">
+            <a:extLst>
+              <a:ext uri="{FF2B5EF4-FFF2-40B4-BE49-F238E27FC236}">
+                <a16:creationId xmlns:a16="http://schemas.microsoft.com/office/drawing/2014/main" id="{5E94FA95-1FCB-464A-848D-26D5A06ADDCA}"/>
+              </a:ext>
+            </a:extLst>
+          </p:cNvPr>
+          <p:cNvGraphicFramePr>
+            <a:graphicFrameLocks noGrp="1"/>
+          </p:cNvGraphicFramePr>
+          <p:nvPr>
+            <p:extLst>
+              <p:ext uri="{D42A27DB-BD31-4B8C-83A1-F6EECF244321}">
+                <p14:modId xmlns:p14="http://schemas.microsoft.com/office/powerpoint/2010/main" val="2373941410"/>
+              </p:ext>
+            </p:extLst>
+          </p:nvPr>
+        </p:nvGraphicFramePr>
+        <p:xfrm>
+          <a:off x="3945600" y="2473959"/>
+          <a:ext cx="4876798" cy="3698241"/>
+        </p:xfrm>
+        <a:graphic>
+          <a:graphicData uri="http://schemas.openxmlformats.org/drawingml/2006/table">
+            <a:tbl>
+              <a:tblPr firstRow="1" bandRow="1">
+                <a:tableStyleId>{5940675A-B579-460E-94D1-54222C63F5DA}</a:tableStyleId>
+              </a:tblPr>
+              <a:tblGrid>
+                <a:gridCol w="457200">
+                  <a:extLst>
+                    <a:ext uri="{9D8B030D-6E8A-4147-A177-3AD203B41FA5}">
+                      <a16:colId xmlns:a16="http://schemas.microsoft.com/office/drawing/2014/main" val="4201253512"/>
+                    </a:ext>
+                  </a:extLst>
+                </a:gridCol>
+                <a:gridCol w="397800">
+                  <a:extLst>
+                    <a:ext uri="{9D8B030D-6E8A-4147-A177-3AD203B41FA5}">
+                      <a16:colId xmlns:a16="http://schemas.microsoft.com/office/drawing/2014/main" val="3620084238"/>
+                    </a:ext>
+                  </a:extLst>
+                </a:gridCol>
+                <a:gridCol w="440400">
+                  <a:extLst>
+                    <a:ext uri="{9D8B030D-6E8A-4147-A177-3AD203B41FA5}">
+                      <a16:colId xmlns:a16="http://schemas.microsoft.com/office/drawing/2014/main" val="2253768062"/>
+                    </a:ext>
+                  </a:extLst>
+                </a:gridCol>
+                <a:gridCol w="457200">
+                  <a:extLst>
+                    <a:ext uri="{9D8B030D-6E8A-4147-A177-3AD203B41FA5}">
+                      <a16:colId xmlns:a16="http://schemas.microsoft.com/office/drawing/2014/main" val="2017200900"/>
+                    </a:ext>
+                  </a:extLst>
+                </a:gridCol>
+                <a:gridCol w="457200">
+                  <a:extLst>
+                    <a:ext uri="{9D8B030D-6E8A-4147-A177-3AD203B41FA5}">
+                      <a16:colId xmlns:a16="http://schemas.microsoft.com/office/drawing/2014/main" val="149025399"/>
+                    </a:ext>
+                  </a:extLst>
+                </a:gridCol>
+                <a:gridCol w="609600">
+                  <a:extLst>
+                    <a:ext uri="{9D8B030D-6E8A-4147-A177-3AD203B41FA5}">
+                      <a16:colId xmlns:a16="http://schemas.microsoft.com/office/drawing/2014/main" val="1586305512"/>
+                    </a:ext>
+                  </a:extLst>
+                </a:gridCol>
+                <a:gridCol w="457200">
+                  <a:extLst>
+                    <a:ext uri="{9D8B030D-6E8A-4147-A177-3AD203B41FA5}">
+                      <a16:colId xmlns:a16="http://schemas.microsoft.com/office/drawing/2014/main" val="1538728508"/>
+                    </a:ext>
+                  </a:extLst>
+                </a:gridCol>
+                <a:gridCol w="624838">
+                  <a:extLst>
+                    <a:ext uri="{9D8B030D-6E8A-4147-A177-3AD203B41FA5}">
+                      <a16:colId xmlns:a16="http://schemas.microsoft.com/office/drawing/2014/main" val="1911704183"/>
+                    </a:ext>
+                  </a:extLst>
+                </a:gridCol>
+                <a:gridCol w="487680">
+                  <a:extLst>
+                    <a:ext uri="{9D8B030D-6E8A-4147-A177-3AD203B41FA5}">
+                      <a16:colId xmlns:a16="http://schemas.microsoft.com/office/drawing/2014/main" val="3983038742"/>
+                    </a:ext>
+                  </a:extLst>
+                </a:gridCol>
+                <a:gridCol w="487680">
+                  <a:extLst>
+                    <a:ext uri="{9D8B030D-6E8A-4147-A177-3AD203B41FA5}">
+                      <a16:colId xmlns:a16="http://schemas.microsoft.com/office/drawing/2014/main" val="1494537249"/>
+                    </a:ext>
+                  </a:extLst>
+                </a:gridCol>
+              </a:tblGrid>
+              <a:tr h="858331">
+                <a:tc>
+                  <a:txBody>
+                    <a:bodyPr/>
+                    <a:lstStyle/>
+                    <a:p>
+                      <a:r>
+                        <a:rPr lang="en-US" sz="2400" dirty="0"/>
+                        <a:t>t</a:t>
+                      </a:r>
+                    </a:p>
+                  </a:txBody>
+                  <a:tcPr/>
+                </a:tc>
+                <a:tc>
+                  <a:txBody>
+                    <a:bodyPr/>
+                    <a:lstStyle/>
+                    <a:p>
+                      <a:r>
+                        <a:rPr lang="en-US" sz="2400" dirty="0"/>
+                        <a:t>u</a:t>
+                      </a:r>
+                    </a:p>
+                  </a:txBody>
+                  <a:tcPr/>
+                </a:tc>
+                <a:tc>
+                  <a:txBody>
+                    <a:bodyPr/>
+                    <a:lstStyle/>
+                    <a:p>
+                      <a:r>
+                        <a:rPr lang="en-US" sz="2400" dirty="0"/>
+                        <a:t>l</a:t>
+                      </a:r>
+                    </a:p>
+                  </a:txBody>
+                  <a:tcPr/>
+                </a:tc>
+                <a:tc>
+                  <a:txBody>
+                    <a:bodyPr/>
+                    <a:lstStyle/>
+                    <a:p>
+                      <a:r>
+                        <a:rPr lang="en-US" sz="2400" dirty="0" err="1"/>
+                        <a:t>i</a:t>
+                      </a:r>
+                      <a:endParaRPr lang="en-US" sz="2400" dirty="0"/>
+                    </a:p>
+                  </a:txBody>
+                  <a:tcPr/>
+                </a:tc>
+                <a:tc>
+                  <a:txBody>
+                    <a:bodyPr/>
+                    <a:lstStyle/>
+                    <a:p>
+                      <a:r>
+                        <a:rPr lang="en-US" sz="2400" dirty="0"/>
+                        <a:t>p</a:t>
+                      </a:r>
+                    </a:p>
+                  </a:txBody>
+                  <a:tcPr/>
+                </a:tc>
+                <a:tc>
+                  <a:txBody>
+                    <a:bodyPr/>
+                    <a:lstStyle/>
+                    <a:p>
+                      <a:r>
+                        <a:rPr lang="en-US" sz="2400" dirty="0"/>
+                        <a:t>\0</a:t>
+                      </a:r>
+                    </a:p>
+                  </a:txBody>
+                  <a:tcPr/>
+                </a:tc>
+                <a:tc>
+                  <a:txBody>
+                    <a:bodyPr/>
+                    <a:lstStyle/>
+                    <a:p>
+                      <a:r>
+                        <a:rPr lang="en-US" sz="2400" dirty="0"/>
+                        <a:t>?</a:t>
+                      </a:r>
+                    </a:p>
+                  </a:txBody>
+                  <a:tcPr/>
+                </a:tc>
+                <a:tc>
+                  <a:txBody>
+                    <a:bodyPr/>
+                    <a:lstStyle/>
+                    <a:p>
+                      <a:r>
+                        <a:rPr lang="en-US" sz="2400" dirty="0"/>
+                        <a:t>?</a:t>
+                      </a:r>
+                    </a:p>
+                  </a:txBody>
+                  <a:tcPr/>
+                </a:tc>
+                <a:tc>
+                  <a:txBody>
+                    <a:bodyPr/>
+                    <a:lstStyle/>
+                    <a:p>
+                      <a:r>
+                        <a:rPr lang="en-US" sz="2400" dirty="0"/>
+                        <a:t>?</a:t>
+                      </a:r>
+                    </a:p>
+                  </a:txBody>
+                  <a:tcPr/>
+                </a:tc>
+                <a:tc>
+                  <a:txBody>
+                    <a:bodyPr/>
+                    <a:lstStyle/>
+                    <a:p>
+                      <a:r>
+                        <a:rPr lang="en-US" sz="2400" dirty="0"/>
+                        <a:t>?</a:t>
+                      </a:r>
+                    </a:p>
+                  </a:txBody>
+                  <a:tcPr/>
+                </a:tc>
+                <a:extLst>
+                  <a:ext uri="{0D108BD9-81ED-4DB2-BD59-A6C34878D82A}">
+                    <a16:rowId xmlns:a16="http://schemas.microsoft.com/office/drawing/2014/main" val="2449545209"/>
+                  </a:ext>
+                </a:extLst>
+              </a:tr>
+              <a:tr h="561624">
+                <a:tc>
+                  <a:txBody>
+                    <a:bodyPr/>
+                    <a:lstStyle/>
+                    <a:p>
+                      <a:r>
+                        <a:rPr lang="en-US" sz="2400" dirty="0"/>
+                        <a:t>m</a:t>
+                      </a:r>
+                    </a:p>
+                  </a:txBody>
+                  <a:tcPr/>
+                </a:tc>
+                <a:tc>
+                  <a:txBody>
+                    <a:bodyPr/>
+                    <a:lstStyle/>
+                    <a:p>
+                      <a:r>
+                        <a:rPr lang="en-US" sz="2400" dirty="0"/>
+                        <a:t>a</a:t>
+                      </a:r>
+                    </a:p>
+                  </a:txBody>
+                  <a:tcPr/>
+                </a:tc>
+                <a:tc>
+                  <a:txBody>
+                    <a:bodyPr/>
+                    <a:lstStyle/>
+                    <a:p>
+                      <a:r>
+                        <a:rPr lang="en-US" sz="2400" dirty="0"/>
+                        <a:t>r</a:t>
+                      </a:r>
+                    </a:p>
+                  </a:txBody>
+                  <a:tcPr/>
+                </a:tc>
+                <a:tc>
+                  <a:txBody>
+                    <a:bodyPr/>
+                    <a:lstStyle/>
+                    <a:p>
+                      <a:r>
+                        <a:rPr lang="en-US" sz="2400" dirty="0" err="1"/>
+                        <a:t>i</a:t>
+                      </a:r>
+                      <a:endParaRPr lang="en-US" sz="2400" dirty="0"/>
+                    </a:p>
+                  </a:txBody>
+                  <a:tcPr/>
+                </a:tc>
+                <a:tc>
+                  <a:txBody>
+                    <a:bodyPr/>
+                    <a:lstStyle/>
+                    <a:p>
+                      <a:r>
+                        <a:rPr lang="en-US" sz="2400" dirty="0"/>
+                        <a:t>g</a:t>
+                      </a:r>
+                    </a:p>
+                  </a:txBody>
+                  <a:tcPr/>
+                </a:tc>
+                <a:tc>
+                  <a:txBody>
+                    <a:bodyPr/>
+                    <a:lstStyle/>
+                    <a:p>
+                      <a:r>
+                        <a:rPr lang="en-US" sz="2400" dirty="0"/>
+                        <a:t>o</a:t>
+                      </a:r>
+                    </a:p>
+                  </a:txBody>
+                  <a:tcPr/>
+                </a:tc>
+                <a:tc>
+                  <a:txBody>
+                    <a:bodyPr/>
+                    <a:lstStyle/>
+                    <a:p>
+                      <a:r>
+                        <a:rPr lang="en-US" sz="2400" dirty="0"/>
+                        <a:t>l</a:t>
+                      </a:r>
+                    </a:p>
+                  </a:txBody>
+                  <a:tcPr/>
+                </a:tc>
+                <a:tc>
+                  <a:txBody>
+                    <a:bodyPr/>
+                    <a:lstStyle/>
+                    <a:p>
+                      <a:r>
+                        <a:rPr lang="en-US" sz="2400" dirty="0"/>
+                        <a:t>d</a:t>
+                      </a:r>
+                    </a:p>
+                  </a:txBody>
+                  <a:tcPr/>
+                </a:tc>
+                <a:tc>
+                  <a:txBody>
+                    <a:bodyPr/>
+                    <a:lstStyle/>
+                    <a:p>
+                      <a:r>
+                        <a:rPr lang="en-US" sz="2400" dirty="0"/>
+                        <a:t>\0</a:t>
+                      </a:r>
+                    </a:p>
+                  </a:txBody>
+                  <a:tcPr/>
+                </a:tc>
+                <a:tc>
+                  <a:txBody>
+                    <a:bodyPr/>
+                    <a:lstStyle/>
+                    <a:p>
+                      <a:r>
+                        <a:rPr lang="en-US" sz="2400" dirty="0"/>
+                        <a:t>?</a:t>
+                      </a:r>
+                    </a:p>
+                  </a:txBody>
+                  <a:tcPr/>
+                </a:tc>
+                <a:extLst>
+                  <a:ext uri="{0D108BD9-81ED-4DB2-BD59-A6C34878D82A}">
+                    <a16:rowId xmlns:a16="http://schemas.microsoft.com/office/drawing/2014/main" val="4003565473"/>
+                  </a:ext>
+                </a:extLst>
+              </a:tr>
+              <a:tr h="561624">
+                <a:tc>
+                  <a:txBody>
+                    <a:bodyPr/>
+                    <a:lstStyle/>
+                    <a:p>
+                      <a:r>
+                        <a:rPr lang="en-US" sz="2400" dirty="0"/>
+                        <a:t>p</a:t>
+                      </a:r>
+                    </a:p>
+                  </a:txBody>
+                  <a:tcPr/>
+                </a:tc>
+                <a:tc>
+                  <a:txBody>
+                    <a:bodyPr/>
+                    <a:lstStyle/>
+                    <a:p>
+                      <a:r>
+                        <a:rPr lang="en-US" sz="2400" dirty="0"/>
+                        <a:t>e</a:t>
+                      </a:r>
+                    </a:p>
+                  </a:txBody>
+                  <a:tcPr/>
+                </a:tc>
+                <a:tc>
+                  <a:txBody>
+                    <a:bodyPr/>
+                    <a:lstStyle/>
+                    <a:p>
+                      <a:r>
+                        <a:rPr lang="en-US" sz="2400" dirty="0"/>
+                        <a:t>t</a:t>
+                      </a:r>
+                    </a:p>
+                  </a:txBody>
+                  <a:tcPr/>
+                </a:tc>
+                <a:tc>
+                  <a:txBody>
+                    <a:bodyPr/>
+                    <a:lstStyle/>
+                    <a:p>
+                      <a:r>
+                        <a:rPr lang="en-US" sz="2400" dirty="0"/>
+                        <a:t>u</a:t>
+                      </a:r>
+                    </a:p>
+                  </a:txBody>
+                  <a:tcPr/>
+                </a:tc>
+                <a:tc>
+                  <a:txBody>
+                    <a:bodyPr/>
+                    <a:lstStyle/>
+                    <a:p>
+                      <a:r>
+                        <a:rPr lang="en-US" sz="2400" dirty="0"/>
+                        <a:t>n</a:t>
+                      </a:r>
+                    </a:p>
+                  </a:txBody>
+                  <a:tcPr/>
+                </a:tc>
+                <a:tc>
+                  <a:txBody>
+                    <a:bodyPr/>
+                    <a:lstStyle/>
+                    <a:p>
+                      <a:r>
+                        <a:rPr lang="en-US" sz="2400" dirty="0" err="1"/>
+                        <a:t>i</a:t>
+                      </a:r>
+                      <a:endParaRPr lang="en-US" sz="2400" dirty="0"/>
+                    </a:p>
+                  </a:txBody>
+                  <a:tcPr/>
+                </a:tc>
+                <a:tc>
+                  <a:txBody>
+                    <a:bodyPr/>
+                    <a:lstStyle/>
+                    <a:p>
+                      <a:r>
+                        <a:rPr lang="en-US" sz="2400" dirty="0"/>
+                        <a:t>a</a:t>
+                      </a:r>
+                    </a:p>
+                  </a:txBody>
+                  <a:tcPr/>
+                </a:tc>
+                <a:tc>
+                  <a:txBody>
+                    <a:bodyPr/>
+                    <a:lstStyle/>
+                    <a:p>
+                      <a:r>
+                        <a:rPr lang="en-US" sz="2400" dirty="0"/>
+                        <a:t>\0</a:t>
+                      </a:r>
+                    </a:p>
+                  </a:txBody>
+                  <a:tcPr/>
+                </a:tc>
+                <a:tc>
+                  <a:txBody>
+                    <a:bodyPr/>
+                    <a:lstStyle/>
+                    <a:p>
+                      <a:r>
+                        <a:rPr lang="en-US" sz="2400" dirty="0"/>
+                        <a:t>?</a:t>
+                      </a:r>
+                    </a:p>
+                  </a:txBody>
+                  <a:tcPr/>
+                </a:tc>
+                <a:tc>
+                  <a:txBody>
+                    <a:bodyPr/>
+                    <a:lstStyle/>
+                    <a:p>
+                      <a:r>
+                        <a:rPr lang="en-US" sz="2400" dirty="0"/>
+                        <a:t>?</a:t>
+                      </a:r>
+                    </a:p>
+                  </a:txBody>
+                  <a:tcPr/>
+                </a:tc>
+                <a:extLst>
+                  <a:ext uri="{0D108BD9-81ED-4DB2-BD59-A6C34878D82A}">
+                    <a16:rowId xmlns:a16="http://schemas.microsoft.com/office/drawing/2014/main" val="946854959"/>
+                  </a:ext>
+                </a:extLst>
+              </a:tr>
+              <a:tr h="858331">
+                <a:tc>
+                  <a:txBody>
+                    <a:bodyPr/>
+                    <a:lstStyle/>
+                    <a:p>
+                      <a:r>
+                        <a:rPr lang="en-US" sz="2400" dirty="0"/>
+                        <a:t>r</a:t>
+                      </a:r>
+                    </a:p>
+                  </a:txBody>
+                  <a:tcPr/>
+                </a:tc>
+                <a:tc>
+                  <a:txBody>
+                    <a:bodyPr/>
+                    <a:lstStyle/>
+                    <a:p>
+                      <a:r>
+                        <a:rPr lang="en-US" sz="2400" dirty="0"/>
+                        <a:t>o</a:t>
+                      </a:r>
+                    </a:p>
+                  </a:txBody>
+                  <a:tcPr/>
+                </a:tc>
+                <a:tc>
+                  <a:txBody>
+                    <a:bodyPr/>
+                    <a:lstStyle/>
+                    <a:p>
+                      <a:r>
+                        <a:rPr lang="en-US" sz="2400" dirty="0"/>
+                        <a:t>s</a:t>
+                      </a:r>
+                    </a:p>
+                  </a:txBody>
+                  <a:tcPr/>
+                </a:tc>
+                <a:tc>
+                  <a:txBody>
+                    <a:bodyPr/>
+                    <a:lstStyle/>
+                    <a:p>
+                      <a:r>
+                        <a:rPr lang="en-US" sz="2400" dirty="0"/>
+                        <a:t>e</a:t>
+                      </a:r>
+                    </a:p>
+                  </a:txBody>
+                  <a:tcPr/>
+                </a:tc>
+                <a:tc>
+                  <a:txBody>
+                    <a:bodyPr/>
+                    <a:lstStyle/>
+                    <a:p>
+                      <a:r>
+                        <a:rPr lang="en-US" sz="2400" dirty="0"/>
+                        <a:t>\0</a:t>
+                      </a:r>
+                    </a:p>
+                  </a:txBody>
+                  <a:tcPr/>
+                </a:tc>
+                <a:tc>
+                  <a:txBody>
+                    <a:bodyPr/>
+                    <a:lstStyle/>
+                    <a:p>
+                      <a:r>
+                        <a:rPr lang="en-US" sz="2400" dirty="0"/>
+                        <a:t>?</a:t>
+                      </a:r>
+                    </a:p>
+                  </a:txBody>
+                  <a:tcPr/>
+                </a:tc>
+                <a:tc>
+                  <a:txBody>
+                    <a:bodyPr/>
+                    <a:lstStyle/>
+                    <a:p>
+                      <a:r>
+                        <a:rPr lang="en-US" sz="2400" dirty="0"/>
+                        <a:t>?</a:t>
+                      </a:r>
+                    </a:p>
+                  </a:txBody>
+                  <a:tcPr/>
+                </a:tc>
+                <a:tc>
+                  <a:txBody>
+                    <a:bodyPr/>
+                    <a:lstStyle/>
+                    <a:p>
+                      <a:r>
+                        <a:rPr lang="en-US" sz="2400" dirty="0"/>
+                        <a:t>?</a:t>
+                      </a:r>
+                    </a:p>
+                  </a:txBody>
+                  <a:tcPr/>
+                </a:tc>
+                <a:tc>
+                  <a:txBody>
+                    <a:bodyPr/>
+                    <a:lstStyle/>
+                    <a:p>
+                      <a:r>
+                        <a:rPr lang="en-US" sz="2400" dirty="0"/>
+                        <a:t>?</a:t>
+                      </a:r>
+                    </a:p>
+                  </a:txBody>
+                  <a:tcPr/>
+                </a:tc>
+                <a:tc>
+                  <a:txBody>
+                    <a:bodyPr/>
+                    <a:lstStyle/>
+                    <a:p>
+                      <a:r>
+                        <a:rPr lang="en-US" sz="2400" dirty="0"/>
+                        <a:t>?</a:t>
+                      </a:r>
+                    </a:p>
+                  </a:txBody>
+                  <a:tcPr/>
+                </a:tc>
+                <a:extLst>
+                  <a:ext uri="{0D108BD9-81ED-4DB2-BD59-A6C34878D82A}">
+                    <a16:rowId xmlns:a16="http://schemas.microsoft.com/office/drawing/2014/main" val="1399067556"/>
+                  </a:ext>
+                </a:extLst>
+              </a:tr>
+              <a:tr h="858331">
+                <a:tc>
+                  <a:txBody>
+                    <a:bodyPr/>
+                    <a:lstStyle/>
+                    <a:p>
+                      <a:r>
+                        <a:rPr lang="en-US" sz="2400" dirty="0"/>
+                        <a:t>d</a:t>
+                      </a:r>
+                    </a:p>
+                  </a:txBody>
+                  <a:tcPr/>
+                </a:tc>
+                <a:tc>
+                  <a:txBody>
+                    <a:bodyPr/>
+                    <a:lstStyle/>
+                    <a:p>
+                      <a:r>
+                        <a:rPr lang="en-US" sz="2400" dirty="0"/>
+                        <a:t>a</a:t>
+                      </a:r>
+                    </a:p>
+                  </a:txBody>
+                  <a:tcPr/>
+                </a:tc>
+                <a:tc>
+                  <a:txBody>
+                    <a:bodyPr/>
+                    <a:lstStyle/>
+                    <a:p>
+                      <a:r>
+                        <a:rPr lang="en-US" sz="2400" dirty="0" err="1"/>
+                        <a:t>i</a:t>
+                      </a:r>
+                      <a:endParaRPr lang="en-US" sz="2400" dirty="0"/>
+                    </a:p>
+                  </a:txBody>
+                  <a:tcPr/>
+                </a:tc>
+                <a:tc>
+                  <a:txBody>
+                    <a:bodyPr/>
+                    <a:lstStyle/>
+                    <a:p>
+                      <a:r>
+                        <a:rPr lang="en-US" sz="2400" dirty="0"/>
+                        <a:t>s</a:t>
+                      </a:r>
+                    </a:p>
+                  </a:txBody>
+                  <a:tcPr/>
+                </a:tc>
+                <a:tc>
+                  <a:txBody>
+                    <a:bodyPr/>
+                    <a:lstStyle/>
+                    <a:p>
+                      <a:r>
+                        <a:rPr lang="en-US" sz="2400" dirty="0"/>
+                        <a:t>y</a:t>
+                      </a:r>
+                    </a:p>
+                  </a:txBody>
+                  <a:tcPr/>
+                </a:tc>
+                <a:tc>
+                  <a:txBody>
+                    <a:bodyPr/>
+                    <a:lstStyle/>
+                    <a:p>
+                      <a:r>
+                        <a:rPr lang="en-US" sz="2400" dirty="0"/>
+                        <a:t>\0</a:t>
+                      </a:r>
+                    </a:p>
+                  </a:txBody>
+                  <a:tcPr/>
+                </a:tc>
+                <a:tc>
+                  <a:txBody>
+                    <a:bodyPr/>
+                    <a:lstStyle/>
+                    <a:p>
+                      <a:r>
+                        <a:rPr lang="en-US" sz="2400" dirty="0"/>
+                        <a:t>?</a:t>
+                      </a:r>
+                    </a:p>
+                  </a:txBody>
+                  <a:tcPr/>
+                </a:tc>
+                <a:tc>
+                  <a:txBody>
+                    <a:bodyPr/>
+                    <a:lstStyle/>
+                    <a:p>
+                      <a:r>
+                        <a:rPr lang="en-US" sz="2400" dirty="0"/>
+                        <a:t>?</a:t>
+                      </a:r>
+                    </a:p>
+                  </a:txBody>
+                  <a:tcPr/>
+                </a:tc>
+                <a:tc>
+                  <a:txBody>
+                    <a:bodyPr/>
+                    <a:lstStyle/>
+                    <a:p>
+                      <a:r>
+                        <a:rPr lang="en-US" sz="2400" dirty="0"/>
+                        <a:t>?</a:t>
+                      </a:r>
+                    </a:p>
+                  </a:txBody>
+                  <a:tcPr/>
+                </a:tc>
+                <a:tc>
+                  <a:txBody>
+                    <a:bodyPr/>
+                    <a:lstStyle/>
+                    <a:p>
+                      <a:r>
+                        <a:rPr lang="en-US" sz="2400" dirty="0"/>
+                        <a:t>?</a:t>
+                      </a:r>
+                    </a:p>
+                  </a:txBody>
+                  <a:tcPr/>
+                </a:tc>
+                <a:extLst>
+                  <a:ext uri="{0D108BD9-81ED-4DB2-BD59-A6C34878D82A}">
+                    <a16:rowId xmlns:a16="http://schemas.microsoft.com/office/drawing/2014/main" val="396208096"/>
+                  </a:ext>
+                </a:extLst>
+              </a:tr>
+            </a:tbl>
+          </a:graphicData>
+        </a:graphic>
+      </p:graphicFrame>
+      <p:sp>
+        <p:nvSpPr>
+          <p:cNvPr id="2" name="TextBox 1">
+            <a:extLst>
+              <a:ext uri="{FF2B5EF4-FFF2-40B4-BE49-F238E27FC236}">
+                <a16:creationId xmlns:a16="http://schemas.microsoft.com/office/drawing/2014/main" id="{06FF0781-E54A-7944-8372-F2F853891FFD}"/>
+              </a:ext>
+            </a:extLst>
+          </p:cNvPr>
+          <p:cNvSpPr txBox="1"/>
           <p:nvPr/>
-        </p:nvPicPr>
-        <p:blipFill>
-          <a:blip r:embed="rId2">
-            <a:extLst>
-              <a:ext uri="{28A0092B-C50C-407E-A947-70E740481C1C}">
-                <a14:useLocalDpi xmlns:a14="http://schemas.microsoft.com/office/drawing/2010/main" val="0"/>
-              </a:ext>
-            </a:extLst>
-          </a:blip>
-          <a:srcRect/>
-          <a:stretch>
-            <a:fillRect/>
-          </a:stretch>
-        </p:blipFill>
-        <p:spPr bwMode="auto">
+        </p:nvSpPr>
+        <p:spPr>
           <a:xfrm>
-            <a:off x="120597" y="1676400"/>
-            <a:ext cx="8337603" cy="2522659"/>
+            <a:off x="5638800" y="1788159"/>
+            <a:ext cx="1828800" cy="584775"/>
           </a:xfrm>
           <a:prstGeom prst="rect">
             <a:avLst/>
           </a:prstGeom>
           <a:noFill/>
-          <a:ln>
-            <a:noFill/>
-          </a:ln>
-          <a:extLst>
-            <a:ext uri="{909E8E84-426E-40DD-AFC4-6F175D3DCCD1}">
-              <a14:hiddenFill xmlns:a14="http://schemas.microsoft.com/office/drawing/2010/main">
-                <a:solidFill>
-                  <a:schemeClr val="accent1"/>
-                </a:solidFill>
-              </a14:hiddenFill>
-            </a:ext>
-            <a:ext uri="{91240B29-F687-4F45-9708-019B960494DF}">
-              <a14:hiddenLine xmlns:a14="http://schemas.microsoft.com/office/drawing/2010/main" w="9525">
-                <a:solidFill>
-                  <a:schemeClr val="tx1"/>
-                </a:solidFill>
-                <a:miter lim="800000"/>
-                <a:headEnd/>
-                <a:tailEnd/>
-              </a14:hiddenLine>
-            </a:ext>
-          </a:extLst>
         </p:spPr>
-      </p:pic>
+        <p:txBody>
+          <a:bodyPr wrap="square" rtlCol="0">
+            <a:spAutoFit/>
+          </a:bodyPr>
+          <a:lstStyle/>
+          <a:p>
+            <a:r>
+              <a:rPr lang="en-US" sz="3200" dirty="0"/>
+              <a:t>flowers</a:t>
+            </a:r>
+          </a:p>
+        </p:txBody>
+      </p:sp>
+      <p:sp>
+        <p:nvSpPr>
+          <p:cNvPr id="23" name="Title 22">
+            <a:extLst>
+              <a:ext uri="{FF2B5EF4-FFF2-40B4-BE49-F238E27FC236}">
+                <a16:creationId xmlns:a16="http://schemas.microsoft.com/office/drawing/2014/main" id="{2B1FC990-70F1-7843-AB0D-8E836407CC21}"/>
+              </a:ext>
+            </a:extLst>
+          </p:cNvPr>
+          <p:cNvSpPr>
+            <a:spLocks noGrp="1"/>
+          </p:cNvSpPr>
+          <p:nvPr>
+            <p:ph type="title"/>
+          </p:nvPr>
+        </p:nvSpPr>
+        <p:spPr/>
+        <p:txBody>
+          <a:bodyPr/>
+          <a:lstStyle/>
+          <a:p>
+            <a:endParaRPr lang="en-US"/>
+          </a:p>
+        </p:txBody>
+      </p:sp>
     </p:spTree>
     <p:extLst>
       <p:ext uri="{BB962C8B-B14F-4D97-AF65-F5344CB8AC3E}">
-        <p14:creationId xmlns:p14="http://schemas.microsoft.com/office/powerpoint/2010/main" val="1565471918"/>
+        <p14:creationId xmlns:p14="http://schemas.microsoft.com/office/powerpoint/2010/main" val="1814011876"/>
       </p:ext>
     </p:extLst>
   </p:cSld>
@@ -19811,6 +20597,1243 @@
       </p:grpSpPr>
       <p:sp>
         <p:nvSpPr>
+          <p:cNvPr id="5" name="Slide Number Placeholder 4">
+            <a:extLst>
+              <a:ext uri="{FF2B5EF4-FFF2-40B4-BE49-F238E27FC236}">
+                <a16:creationId xmlns:a16="http://schemas.microsoft.com/office/drawing/2014/main" id="{4BC84D2D-4141-9B4C-874A-AEB461DBCA4A}"/>
+              </a:ext>
+            </a:extLst>
+          </p:cNvPr>
+          <p:cNvSpPr>
+            <a:spLocks noGrp="1"/>
+          </p:cNvSpPr>
+          <p:nvPr>
+            <p:ph type="sldNum" sz="quarter" idx="12"/>
+          </p:nvPr>
+        </p:nvSpPr>
+        <p:spPr/>
+        <p:txBody>
+          <a:bodyPr/>
+          <a:lstStyle/>
+          <a:p>
+            <a:fld id="{85A8DA42-601D-40A8-83CA-2F2CBDE5F9F0}" type="slidenum">
+              <a:rPr lang="en-US" smtClean="0"/>
+              <a:t>31</a:t>
+            </a:fld>
+            <a:endParaRPr lang="en-US"/>
+          </a:p>
+        </p:txBody>
+      </p:sp>
+      <p:graphicFrame>
+        <p:nvGraphicFramePr>
+          <p:cNvPr id="6" name="Table 6">
+            <a:extLst>
+              <a:ext uri="{FF2B5EF4-FFF2-40B4-BE49-F238E27FC236}">
+                <a16:creationId xmlns:a16="http://schemas.microsoft.com/office/drawing/2014/main" id="{5E94FA95-1FCB-464A-848D-26D5A06ADDCA}"/>
+              </a:ext>
+            </a:extLst>
+          </p:cNvPr>
+          <p:cNvGraphicFramePr>
+            <a:graphicFrameLocks noGrp="1"/>
+          </p:cNvGraphicFramePr>
+          <p:nvPr/>
+        </p:nvGraphicFramePr>
+        <p:xfrm>
+          <a:off x="3945600" y="2473959"/>
+          <a:ext cx="4876798" cy="3698241"/>
+        </p:xfrm>
+        <a:graphic>
+          <a:graphicData uri="http://schemas.openxmlformats.org/drawingml/2006/table">
+            <a:tbl>
+              <a:tblPr firstRow="1" bandRow="1">
+                <a:tableStyleId>{5940675A-B579-460E-94D1-54222C63F5DA}</a:tableStyleId>
+              </a:tblPr>
+              <a:tblGrid>
+                <a:gridCol w="457200">
+                  <a:extLst>
+                    <a:ext uri="{9D8B030D-6E8A-4147-A177-3AD203B41FA5}">
+                      <a16:colId xmlns:a16="http://schemas.microsoft.com/office/drawing/2014/main" val="4201253512"/>
+                    </a:ext>
+                  </a:extLst>
+                </a:gridCol>
+                <a:gridCol w="397800">
+                  <a:extLst>
+                    <a:ext uri="{9D8B030D-6E8A-4147-A177-3AD203B41FA5}">
+                      <a16:colId xmlns:a16="http://schemas.microsoft.com/office/drawing/2014/main" val="3620084238"/>
+                    </a:ext>
+                  </a:extLst>
+                </a:gridCol>
+                <a:gridCol w="440400">
+                  <a:extLst>
+                    <a:ext uri="{9D8B030D-6E8A-4147-A177-3AD203B41FA5}">
+                      <a16:colId xmlns:a16="http://schemas.microsoft.com/office/drawing/2014/main" val="2253768062"/>
+                    </a:ext>
+                  </a:extLst>
+                </a:gridCol>
+                <a:gridCol w="457200">
+                  <a:extLst>
+                    <a:ext uri="{9D8B030D-6E8A-4147-A177-3AD203B41FA5}">
+                      <a16:colId xmlns:a16="http://schemas.microsoft.com/office/drawing/2014/main" val="2017200900"/>
+                    </a:ext>
+                  </a:extLst>
+                </a:gridCol>
+                <a:gridCol w="457200">
+                  <a:extLst>
+                    <a:ext uri="{9D8B030D-6E8A-4147-A177-3AD203B41FA5}">
+                      <a16:colId xmlns:a16="http://schemas.microsoft.com/office/drawing/2014/main" val="149025399"/>
+                    </a:ext>
+                  </a:extLst>
+                </a:gridCol>
+                <a:gridCol w="609600">
+                  <a:extLst>
+                    <a:ext uri="{9D8B030D-6E8A-4147-A177-3AD203B41FA5}">
+                      <a16:colId xmlns:a16="http://schemas.microsoft.com/office/drawing/2014/main" val="1586305512"/>
+                    </a:ext>
+                  </a:extLst>
+                </a:gridCol>
+                <a:gridCol w="457200">
+                  <a:extLst>
+                    <a:ext uri="{9D8B030D-6E8A-4147-A177-3AD203B41FA5}">
+                      <a16:colId xmlns:a16="http://schemas.microsoft.com/office/drawing/2014/main" val="1538728508"/>
+                    </a:ext>
+                  </a:extLst>
+                </a:gridCol>
+                <a:gridCol w="624838">
+                  <a:extLst>
+                    <a:ext uri="{9D8B030D-6E8A-4147-A177-3AD203B41FA5}">
+                      <a16:colId xmlns:a16="http://schemas.microsoft.com/office/drawing/2014/main" val="1911704183"/>
+                    </a:ext>
+                  </a:extLst>
+                </a:gridCol>
+                <a:gridCol w="487680">
+                  <a:extLst>
+                    <a:ext uri="{9D8B030D-6E8A-4147-A177-3AD203B41FA5}">
+                      <a16:colId xmlns:a16="http://schemas.microsoft.com/office/drawing/2014/main" val="3983038742"/>
+                    </a:ext>
+                  </a:extLst>
+                </a:gridCol>
+                <a:gridCol w="487680">
+                  <a:extLst>
+                    <a:ext uri="{9D8B030D-6E8A-4147-A177-3AD203B41FA5}">
+                      <a16:colId xmlns:a16="http://schemas.microsoft.com/office/drawing/2014/main" val="1494537249"/>
+                    </a:ext>
+                  </a:extLst>
+                </a:gridCol>
+              </a:tblGrid>
+              <a:tr h="858331">
+                <a:tc>
+                  <a:txBody>
+                    <a:bodyPr/>
+                    <a:lstStyle/>
+                    <a:p>
+                      <a:r>
+                        <a:rPr lang="en-US" sz="2400" dirty="0"/>
+                        <a:t>t</a:t>
+                      </a:r>
+                    </a:p>
+                  </a:txBody>
+                  <a:tcPr/>
+                </a:tc>
+                <a:tc>
+                  <a:txBody>
+                    <a:bodyPr/>
+                    <a:lstStyle/>
+                    <a:p>
+                      <a:r>
+                        <a:rPr lang="en-US" sz="2400" dirty="0"/>
+                        <a:t>u</a:t>
+                      </a:r>
+                    </a:p>
+                  </a:txBody>
+                  <a:tcPr/>
+                </a:tc>
+                <a:tc>
+                  <a:txBody>
+                    <a:bodyPr/>
+                    <a:lstStyle/>
+                    <a:p>
+                      <a:r>
+                        <a:rPr lang="en-US" sz="2400" dirty="0"/>
+                        <a:t>l</a:t>
+                      </a:r>
+                    </a:p>
+                  </a:txBody>
+                  <a:tcPr/>
+                </a:tc>
+                <a:tc>
+                  <a:txBody>
+                    <a:bodyPr/>
+                    <a:lstStyle/>
+                    <a:p>
+                      <a:r>
+                        <a:rPr lang="en-US" sz="2400" dirty="0" err="1"/>
+                        <a:t>i</a:t>
+                      </a:r>
+                      <a:endParaRPr lang="en-US" sz="2400" dirty="0"/>
+                    </a:p>
+                  </a:txBody>
+                  <a:tcPr/>
+                </a:tc>
+                <a:tc>
+                  <a:txBody>
+                    <a:bodyPr/>
+                    <a:lstStyle/>
+                    <a:p>
+                      <a:r>
+                        <a:rPr lang="en-US" sz="2400" dirty="0"/>
+                        <a:t>p</a:t>
+                      </a:r>
+                    </a:p>
+                  </a:txBody>
+                  <a:tcPr/>
+                </a:tc>
+                <a:tc>
+                  <a:txBody>
+                    <a:bodyPr/>
+                    <a:lstStyle/>
+                    <a:p>
+                      <a:r>
+                        <a:rPr lang="en-US" sz="2400" dirty="0"/>
+                        <a:t>\0</a:t>
+                      </a:r>
+                    </a:p>
+                  </a:txBody>
+                  <a:tcPr/>
+                </a:tc>
+                <a:tc>
+                  <a:txBody>
+                    <a:bodyPr/>
+                    <a:lstStyle/>
+                    <a:p>
+                      <a:r>
+                        <a:rPr lang="en-US" sz="2400" dirty="0"/>
+                        <a:t>?</a:t>
+                      </a:r>
+                    </a:p>
+                  </a:txBody>
+                  <a:tcPr/>
+                </a:tc>
+                <a:tc>
+                  <a:txBody>
+                    <a:bodyPr/>
+                    <a:lstStyle/>
+                    <a:p>
+                      <a:r>
+                        <a:rPr lang="en-US" sz="2400" dirty="0"/>
+                        <a:t>?</a:t>
+                      </a:r>
+                    </a:p>
+                  </a:txBody>
+                  <a:tcPr/>
+                </a:tc>
+                <a:tc>
+                  <a:txBody>
+                    <a:bodyPr/>
+                    <a:lstStyle/>
+                    <a:p>
+                      <a:r>
+                        <a:rPr lang="en-US" sz="2400" dirty="0"/>
+                        <a:t>?</a:t>
+                      </a:r>
+                    </a:p>
+                  </a:txBody>
+                  <a:tcPr/>
+                </a:tc>
+                <a:tc>
+                  <a:txBody>
+                    <a:bodyPr/>
+                    <a:lstStyle/>
+                    <a:p>
+                      <a:r>
+                        <a:rPr lang="en-US" sz="2400" dirty="0"/>
+                        <a:t>?</a:t>
+                      </a:r>
+                    </a:p>
+                  </a:txBody>
+                  <a:tcPr/>
+                </a:tc>
+                <a:extLst>
+                  <a:ext uri="{0D108BD9-81ED-4DB2-BD59-A6C34878D82A}">
+                    <a16:rowId xmlns:a16="http://schemas.microsoft.com/office/drawing/2014/main" val="2449545209"/>
+                  </a:ext>
+                </a:extLst>
+              </a:tr>
+              <a:tr h="561624">
+                <a:tc>
+                  <a:txBody>
+                    <a:bodyPr/>
+                    <a:lstStyle/>
+                    <a:p>
+                      <a:r>
+                        <a:rPr lang="en-US" sz="2400" dirty="0"/>
+                        <a:t>m</a:t>
+                      </a:r>
+                    </a:p>
+                  </a:txBody>
+                  <a:tcPr/>
+                </a:tc>
+                <a:tc>
+                  <a:txBody>
+                    <a:bodyPr/>
+                    <a:lstStyle/>
+                    <a:p>
+                      <a:r>
+                        <a:rPr lang="en-US" sz="2400" dirty="0"/>
+                        <a:t>a</a:t>
+                      </a:r>
+                    </a:p>
+                  </a:txBody>
+                  <a:tcPr/>
+                </a:tc>
+                <a:tc>
+                  <a:txBody>
+                    <a:bodyPr/>
+                    <a:lstStyle/>
+                    <a:p>
+                      <a:r>
+                        <a:rPr lang="en-US" sz="2400" dirty="0"/>
+                        <a:t>r</a:t>
+                      </a:r>
+                    </a:p>
+                  </a:txBody>
+                  <a:tcPr/>
+                </a:tc>
+                <a:tc>
+                  <a:txBody>
+                    <a:bodyPr/>
+                    <a:lstStyle/>
+                    <a:p>
+                      <a:r>
+                        <a:rPr lang="en-US" sz="2400" dirty="0" err="1"/>
+                        <a:t>i</a:t>
+                      </a:r>
+                      <a:endParaRPr lang="en-US" sz="2400" dirty="0"/>
+                    </a:p>
+                  </a:txBody>
+                  <a:tcPr/>
+                </a:tc>
+                <a:tc>
+                  <a:txBody>
+                    <a:bodyPr/>
+                    <a:lstStyle/>
+                    <a:p>
+                      <a:r>
+                        <a:rPr lang="en-US" sz="2400" dirty="0"/>
+                        <a:t>g</a:t>
+                      </a:r>
+                    </a:p>
+                  </a:txBody>
+                  <a:tcPr/>
+                </a:tc>
+                <a:tc>
+                  <a:txBody>
+                    <a:bodyPr/>
+                    <a:lstStyle/>
+                    <a:p>
+                      <a:r>
+                        <a:rPr lang="en-US" sz="2400" dirty="0"/>
+                        <a:t>o</a:t>
+                      </a:r>
+                    </a:p>
+                  </a:txBody>
+                  <a:tcPr/>
+                </a:tc>
+                <a:tc>
+                  <a:txBody>
+                    <a:bodyPr/>
+                    <a:lstStyle/>
+                    <a:p>
+                      <a:r>
+                        <a:rPr lang="en-US" sz="2400" dirty="0"/>
+                        <a:t>l</a:t>
+                      </a:r>
+                    </a:p>
+                  </a:txBody>
+                  <a:tcPr/>
+                </a:tc>
+                <a:tc>
+                  <a:txBody>
+                    <a:bodyPr/>
+                    <a:lstStyle/>
+                    <a:p>
+                      <a:r>
+                        <a:rPr lang="en-US" sz="2400" dirty="0"/>
+                        <a:t>d</a:t>
+                      </a:r>
+                    </a:p>
+                  </a:txBody>
+                  <a:tcPr/>
+                </a:tc>
+                <a:tc>
+                  <a:txBody>
+                    <a:bodyPr/>
+                    <a:lstStyle/>
+                    <a:p>
+                      <a:r>
+                        <a:rPr lang="en-US" sz="2400" dirty="0"/>
+                        <a:t>\0</a:t>
+                      </a:r>
+                    </a:p>
+                  </a:txBody>
+                  <a:tcPr/>
+                </a:tc>
+                <a:tc>
+                  <a:txBody>
+                    <a:bodyPr/>
+                    <a:lstStyle/>
+                    <a:p>
+                      <a:r>
+                        <a:rPr lang="en-US" sz="2400" dirty="0"/>
+                        <a:t>?</a:t>
+                      </a:r>
+                    </a:p>
+                  </a:txBody>
+                  <a:tcPr/>
+                </a:tc>
+                <a:extLst>
+                  <a:ext uri="{0D108BD9-81ED-4DB2-BD59-A6C34878D82A}">
+                    <a16:rowId xmlns:a16="http://schemas.microsoft.com/office/drawing/2014/main" val="4003565473"/>
+                  </a:ext>
+                </a:extLst>
+              </a:tr>
+              <a:tr h="561624">
+                <a:tc>
+                  <a:txBody>
+                    <a:bodyPr/>
+                    <a:lstStyle/>
+                    <a:p>
+                      <a:r>
+                        <a:rPr lang="en-US" sz="2400" dirty="0"/>
+                        <a:t>p</a:t>
+                      </a:r>
+                    </a:p>
+                  </a:txBody>
+                  <a:tcPr/>
+                </a:tc>
+                <a:tc>
+                  <a:txBody>
+                    <a:bodyPr/>
+                    <a:lstStyle/>
+                    <a:p>
+                      <a:r>
+                        <a:rPr lang="en-US" sz="2400" dirty="0"/>
+                        <a:t>e</a:t>
+                      </a:r>
+                    </a:p>
+                  </a:txBody>
+                  <a:tcPr/>
+                </a:tc>
+                <a:tc>
+                  <a:txBody>
+                    <a:bodyPr/>
+                    <a:lstStyle/>
+                    <a:p>
+                      <a:r>
+                        <a:rPr lang="en-US" sz="2400" dirty="0"/>
+                        <a:t>t</a:t>
+                      </a:r>
+                    </a:p>
+                  </a:txBody>
+                  <a:tcPr/>
+                </a:tc>
+                <a:tc>
+                  <a:txBody>
+                    <a:bodyPr/>
+                    <a:lstStyle/>
+                    <a:p>
+                      <a:r>
+                        <a:rPr lang="en-US" sz="2400" dirty="0"/>
+                        <a:t>u</a:t>
+                      </a:r>
+                    </a:p>
+                  </a:txBody>
+                  <a:tcPr/>
+                </a:tc>
+                <a:tc>
+                  <a:txBody>
+                    <a:bodyPr/>
+                    <a:lstStyle/>
+                    <a:p>
+                      <a:r>
+                        <a:rPr lang="en-US" sz="2400" dirty="0"/>
+                        <a:t>n</a:t>
+                      </a:r>
+                    </a:p>
+                  </a:txBody>
+                  <a:tcPr/>
+                </a:tc>
+                <a:tc>
+                  <a:txBody>
+                    <a:bodyPr/>
+                    <a:lstStyle/>
+                    <a:p>
+                      <a:r>
+                        <a:rPr lang="en-US" sz="2400" dirty="0" err="1"/>
+                        <a:t>i</a:t>
+                      </a:r>
+                      <a:endParaRPr lang="en-US" sz="2400" dirty="0"/>
+                    </a:p>
+                  </a:txBody>
+                  <a:tcPr/>
+                </a:tc>
+                <a:tc>
+                  <a:txBody>
+                    <a:bodyPr/>
+                    <a:lstStyle/>
+                    <a:p>
+                      <a:r>
+                        <a:rPr lang="en-US" sz="2400" dirty="0"/>
+                        <a:t>a</a:t>
+                      </a:r>
+                    </a:p>
+                  </a:txBody>
+                  <a:tcPr/>
+                </a:tc>
+                <a:tc>
+                  <a:txBody>
+                    <a:bodyPr/>
+                    <a:lstStyle/>
+                    <a:p>
+                      <a:r>
+                        <a:rPr lang="en-US" sz="2400" dirty="0"/>
+                        <a:t>\0</a:t>
+                      </a:r>
+                    </a:p>
+                  </a:txBody>
+                  <a:tcPr/>
+                </a:tc>
+                <a:tc>
+                  <a:txBody>
+                    <a:bodyPr/>
+                    <a:lstStyle/>
+                    <a:p>
+                      <a:r>
+                        <a:rPr lang="en-US" sz="2400" dirty="0"/>
+                        <a:t>?</a:t>
+                      </a:r>
+                    </a:p>
+                  </a:txBody>
+                  <a:tcPr/>
+                </a:tc>
+                <a:tc>
+                  <a:txBody>
+                    <a:bodyPr/>
+                    <a:lstStyle/>
+                    <a:p>
+                      <a:r>
+                        <a:rPr lang="en-US" sz="2400" dirty="0"/>
+                        <a:t>?</a:t>
+                      </a:r>
+                    </a:p>
+                  </a:txBody>
+                  <a:tcPr/>
+                </a:tc>
+                <a:extLst>
+                  <a:ext uri="{0D108BD9-81ED-4DB2-BD59-A6C34878D82A}">
+                    <a16:rowId xmlns:a16="http://schemas.microsoft.com/office/drawing/2014/main" val="946854959"/>
+                  </a:ext>
+                </a:extLst>
+              </a:tr>
+              <a:tr h="858331">
+                <a:tc>
+                  <a:txBody>
+                    <a:bodyPr/>
+                    <a:lstStyle/>
+                    <a:p>
+                      <a:r>
+                        <a:rPr lang="en-US" sz="2400" dirty="0"/>
+                        <a:t>r</a:t>
+                      </a:r>
+                    </a:p>
+                  </a:txBody>
+                  <a:tcPr/>
+                </a:tc>
+                <a:tc>
+                  <a:txBody>
+                    <a:bodyPr/>
+                    <a:lstStyle/>
+                    <a:p>
+                      <a:r>
+                        <a:rPr lang="en-US" sz="2400" dirty="0"/>
+                        <a:t>o</a:t>
+                      </a:r>
+                    </a:p>
+                  </a:txBody>
+                  <a:tcPr/>
+                </a:tc>
+                <a:tc>
+                  <a:txBody>
+                    <a:bodyPr/>
+                    <a:lstStyle/>
+                    <a:p>
+                      <a:r>
+                        <a:rPr lang="en-US" sz="2400" dirty="0"/>
+                        <a:t>s</a:t>
+                      </a:r>
+                    </a:p>
+                  </a:txBody>
+                  <a:tcPr/>
+                </a:tc>
+                <a:tc>
+                  <a:txBody>
+                    <a:bodyPr/>
+                    <a:lstStyle/>
+                    <a:p>
+                      <a:r>
+                        <a:rPr lang="en-US" sz="2400" dirty="0"/>
+                        <a:t>e</a:t>
+                      </a:r>
+                    </a:p>
+                  </a:txBody>
+                  <a:tcPr/>
+                </a:tc>
+                <a:tc>
+                  <a:txBody>
+                    <a:bodyPr/>
+                    <a:lstStyle/>
+                    <a:p>
+                      <a:r>
+                        <a:rPr lang="en-US" sz="2400" dirty="0"/>
+                        <a:t>\0</a:t>
+                      </a:r>
+                    </a:p>
+                  </a:txBody>
+                  <a:tcPr/>
+                </a:tc>
+                <a:tc>
+                  <a:txBody>
+                    <a:bodyPr/>
+                    <a:lstStyle/>
+                    <a:p>
+                      <a:r>
+                        <a:rPr lang="en-US" sz="2400" dirty="0"/>
+                        <a:t>?</a:t>
+                      </a:r>
+                    </a:p>
+                  </a:txBody>
+                  <a:tcPr/>
+                </a:tc>
+                <a:tc>
+                  <a:txBody>
+                    <a:bodyPr/>
+                    <a:lstStyle/>
+                    <a:p>
+                      <a:r>
+                        <a:rPr lang="en-US" sz="2400" dirty="0"/>
+                        <a:t>?</a:t>
+                      </a:r>
+                    </a:p>
+                  </a:txBody>
+                  <a:tcPr/>
+                </a:tc>
+                <a:tc>
+                  <a:txBody>
+                    <a:bodyPr/>
+                    <a:lstStyle/>
+                    <a:p>
+                      <a:r>
+                        <a:rPr lang="en-US" sz="2400" dirty="0"/>
+                        <a:t>?</a:t>
+                      </a:r>
+                    </a:p>
+                  </a:txBody>
+                  <a:tcPr/>
+                </a:tc>
+                <a:tc>
+                  <a:txBody>
+                    <a:bodyPr/>
+                    <a:lstStyle/>
+                    <a:p>
+                      <a:r>
+                        <a:rPr lang="en-US" sz="2400" dirty="0"/>
+                        <a:t>?</a:t>
+                      </a:r>
+                    </a:p>
+                  </a:txBody>
+                  <a:tcPr/>
+                </a:tc>
+                <a:tc>
+                  <a:txBody>
+                    <a:bodyPr/>
+                    <a:lstStyle/>
+                    <a:p>
+                      <a:r>
+                        <a:rPr lang="en-US" sz="2400" dirty="0"/>
+                        <a:t>?</a:t>
+                      </a:r>
+                    </a:p>
+                  </a:txBody>
+                  <a:tcPr/>
+                </a:tc>
+                <a:extLst>
+                  <a:ext uri="{0D108BD9-81ED-4DB2-BD59-A6C34878D82A}">
+                    <a16:rowId xmlns:a16="http://schemas.microsoft.com/office/drawing/2014/main" val="1399067556"/>
+                  </a:ext>
+                </a:extLst>
+              </a:tr>
+              <a:tr h="858331">
+                <a:tc>
+                  <a:txBody>
+                    <a:bodyPr/>
+                    <a:lstStyle/>
+                    <a:p>
+                      <a:r>
+                        <a:rPr lang="en-US" sz="2400" dirty="0"/>
+                        <a:t>d</a:t>
+                      </a:r>
+                    </a:p>
+                  </a:txBody>
+                  <a:tcPr/>
+                </a:tc>
+                <a:tc>
+                  <a:txBody>
+                    <a:bodyPr/>
+                    <a:lstStyle/>
+                    <a:p>
+                      <a:r>
+                        <a:rPr lang="en-US" sz="2400" dirty="0"/>
+                        <a:t>a</a:t>
+                      </a:r>
+                    </a:p>
+                  </a:txBody>
+                  <a:tcPr/>
+                </a:tc>
+                <a:tc>
+                  <a:txBody>
+                    <a:bodyPr/>
+                    <a:lstStyle/>
+                    <a:p>
+                      <a:r>
+                        <a:rPr lang="en-US" sz="2400" dirty="0" err="1"/>
+                        <a:t>i</a:t>
+                      </a:r>
+                      <a:endParaRPr lang="en-US" sz="2400" dirty="0"/>
+                    </a:p>
+                  </a:txBody>
+                  <a:tcPr/>
+                </a:tc>
+                <a:tc>
+                  <a:txBody>
+                    <a:bodyPr/>
+                    <a:lstStyle/>
+                    <a:p>
+                      <a:r>
+                        <a:rPr lang="en-US" sz="2400" dirty="0"/>
+                        <a:t>s</a:t>
+                      </a:r>
+                    </a:p>
+                  </a:txBody>
+                  <a:tcPr/>
+                </a:tc>
+                <a:tc>
+                  <a:txBody>
+                    <a:bodyPr/>
+                    <a:lstStyle/>
+                    <a:p>
+                      <a:r>
+                        <a:rPr lang="en-US" sz="2400" dirty="0"/>
+                        <a:t>y</a:t>
+                      </a:r>
+                    </a:p>
+                  </a:txBody>
+                  <a:tcPr/>
+                </a:tc>
+                <a:tc>
+                  <a:txBody>
+                    <a:bodyPr/>
+                    <a:lstStyle/>
+                    <a:p>
+                      <a:r>
+                        <a:rPr lang="en-US" sz="2400" dirty="0"/>
+                        <a:t>\0</a:t>
+                      </a:r>
+                    </a:p>
+                  </a:txBody>
+                  <a:tcPr/>
+                </a:tc>
+                <a:tc>
+                  <a:txBody>
+                    <a:bodyPr/>
+                    <a:lstStyle/>
+                    <a:p>
+                      <a:r>
+                        <a:rPr lang="en-US" sz="2400" dirty="0"/>
+                        <a:t>?</a:t>
+                      </a:r>
+                    </a:p>
+                  </a:txBody>
+                  <a:tcPr/>
+                </a:tc>
+                <a:tc>
+                  <a:txBody>
+                    <a:bodyPr/>
+                    <a:lstStyle/>
+                    <a:p>
+                      <a:r>
+                        <a:rPr lang="en-US" sz="2400" dirty="0"/>
+                        <a:t>?</a:t>
+                      </a:r>
+                    </a:p>
+                  </a:txBody>
+                  <a:tcPr/>
+                </a:tc>
+                <a:tc>
+                  <a:txBody>
+                    <a:bodyPr/>
+                    <a:lstStyle/>
+                    <a:p>
+                      <a:r>
+                        <a:rPr lang="en-US" sz="2400" dirty="0"/>
+                        <a:t>?</a:t>
+                      </a:r>
+                    </a:p>
+                  </a:txBody>
+                  <a:tcPr/>
+                </a:tc>
+                <a:tc>
+                  <a:txBody>
+                    <a:bodyPr/>
+                    <a:lstStyle/>
+                    <a:p>
+                      <a:r>
+                        <a:rPr lang="en-US" sz="2400" dirty="0"/>
+                        <a:t>?</a:t>
+                      </a:r>
+                    </a:p>
+                  </a:txBody>
+                  <a:tcPr/>
+                </a:tc>
+                <a:extLst>
+                  <a:ext uri="{0D108BD9-81ED-4DB2-BD59-A6C34878D82A}">
+                    <a16:rowId xmlns:a16="http://schemas.microsoft.com/office/drawing/2014/main" val="396208096"/>
+                  </a:ext>
+                </a:extLst>
+              </a:tr>
+            </a:tbl>
+          </a:graphicData>
+        </a:graphic>
+      </p:graphicFrame>
+      <p:sp>
+        <p:nvSpPr>
+          <p:cNvPr id="2" name="TextBox 1">
+            <a:extLst>
+              <a:ext uri="{FF2B5EF4-FFF2-40B4-BE49-F238E27FC236}">
+                <a16:creationId xmlns:a16="http://schemas.microsoft.com/office/drawing/2014/main" id="{06FF0781-E54A-7944-8372-F2F853891FFD}"/>
+              </a:ext>
+            </a:extLst>
+          </p:cNvPr>
+          <p:cNvSpPr txBox="1"/>
+          <p:nvPr/>
+        </p:nvSpPr>
+        <p:spPr>
+          <a:xfrm>
+            <a:off x="5638800" y="1788159"/>
+            <a:ext cx="1828800" cy="584775"/>
+          </a:xfrm>
+          <a:prstGeom prst="rect">
+            <a:avLst/>
+          </a:prstGeom>
+          <a:noFill/>
+        </p:spPr>
+        <p:txBody>
+          <a:bodyPr wrap="square" rtlCol="0">
+            <a:spAutoFit/>
+          </a:bodyPr>
+          <a:lstStyle/>
+          <a:p>
+            <a:r>
+              <a:rPr lang="en-US" sz="3200" dirty="0"/>
+              <a:t>flowers</a:t>
+            </a:r>
+          </a:p>
+        </p:txBody>
+      </p:sp>
+      <p:graphicFrame>
+        <p:nvGraphicFramePr>
+          <p:cNvPr id="3" name="Table 7">
+            <a:extLst>
+              <a:ext uri="{FF2B5EF4-FFF2-40B4-BE49-F238E27FC236}">
+                <a16:creationId xmlns:a16="http://schemas.microsoft.com/office/drawing/2014/main" id="{2E870EEE-543B-4441-8A46-E49E87C301C6}"/>
+              </a:ext>
+            </a:extLst>
+          </p:cNvPr>
+          <p:cNvGraphicFramePr>
+            <a:graphicFrameLocks noGrp="1"/>
+          </p:cNvGraphicFramePr>
+          <p:nvPr>
+            <p:extLst>
+              <p:ext uri="{D42A27DB-BD31-4B8C-83A1-F6EECF244321}">
+                <p14:modId xmlns:p14="http://schemas.microsoft.com/office/powerpoint/2010/main" val="447093629"/>
+              </p:ext>
+            </p:extLst>
+          </p:nvPr>
+        </p:nvGraphicFramePr>
+        <p:xfrm>
+          <a:off x="609600" y="3235959"/>
+          <a:ext cx="1447800" cy="1879600"/>
+        </p:xfrm>
+        <a:graphic>
+          <a:graphicData uri="http://schemas.openxmlformats.org/drawingml/2006/table">
+            <a:tbl>
+              <a:tblPr firstRow="1" bandRow="1">
+                <a:tableStyleId>{5940675A-B579-460E-94D1-54222C63F5DA}</a:tableStyleId>
+              </a:tblPr>
+              <a:tblGrid>
+                <a:gridCol w="1447800">
+                  <a:extLst>
+                    <a:ext uri="{9D8B030D-6E8A-4147-A177-3AD203B41FA5}">
+                      <a16:colId xmlns:a16="http://schemas.microsoft.com/office/drawing/2014/main" val="3563400488"/>
+                    </a:ext>
+                  </a:extLst>
+                </a:gridCol>
+              </a:tblGrid>
+              <a:tr h="375920">
+                <a:tc>
+                  <a:txBody>
+                    <a:bodyPr/>
+                    <a:lstStyle/>
+                    <a:p>
+                      <a:endParaRPr lang="en-US" dirty="0"/>
+                    </a:p>
+                  </a:txBody>
+                  <a:tcPr/>
+                </a:tc>
+                <a:extLst>
+                  <a:ext uri="{0D108BD9-81ED-4DB2-BD59-A6C34878D82A}">
+                    <a16:rowId xmlns:a16="http://schemas.microsoft.com/office/drawing/2014/main" val="1645195382"/>
+                  </a:ext>
+                </a:extLst>
+              </a:tr>
+              <a:tr h="375920">
+                <a:tc>
+                  <a:txBody>
+                    <a:bodyPr/>
+                    <a:lstStyle/>
+                    <a:p>
+                      <a:endParaRPr lang="en-US" dirty="0"/>
+                    </a:p>
+                  </a:txBody>
+                  <a:tcPr/>
+                </a:tc>
+                <a:extLst>
+                  <a:ext uri="{0D108BD9-81ED-4DB2-BD59-A6C34878D82A}">
+                    <a16:rowId xmlns:a16="http://schemas.microsoft.com/office/drawing/2014/main" val="2905236034"/>
+                  </a:ext>
+                </a:extLst>
+              </a:tr>
+              <a:tr h="375920">
+                <a:tc>
+                  <a:txBody>
+                    <a:bodyPr/>
+                    <a:lstStyle/>
+                    <a:p>
+                      <a:endParaRPr lang="en-US"/>
+                    </a:p>
+                  </a:txBody>
+                  <a:tcPr/>
+                </a:tc>
+                <a:extLst>
+                  <a:ext uri="{0D108BD9-81ED-4DB2-BD59-A6C34878D82A}">
+                    <a16:rowId xmlns:a16="http://schemas.microsoft.com/office/drawing/2014/main" val="1219187403"/>
+                  </a:ext>
+                </a:extLst>
+              </a:tr>
+              <a:tr h="375920">
+                <a:tc>
+                  <a:txBody>
+                    <a:bodyPr/>
+                    <a:lstStyle/>
+                    <a:p>
+                      <a:endParaRPr lang="en-US"/>
+                    </a:p>
+                  </a:txBody>
+                  <a:tcPr/>
+                </a:tc>
+                <a:extLst>
+                  <a:ext uri="{0D108BD9-81ED-4DB2-BD59-A6C34878D82A}">
+                    <a16:rowId xmlns:a16="http://schemas.microsoft.com/office/drawing/2014/main" val="3630554532"/>
+                  </a:ext>
+                </a:extLst>
+              </a:tr>
+              <a:tr h="375920">
+                <a:tc>
+                  <a:txBody>
+                    <a:bodyPr/>
+                    <a:lstStyle/>
+                    <a:p>
+                      <a:endParaRPr lang="en-US" dirty="0"/>
+                    </a:p>
+                  </a:txBody>
+                  <a:tcPr/>
+                </a:tc>
+                <a:extLst>
+                  <a:ext uri="{0D108BD9-81ED-4DB2-BD59-A6C34878D82A}">
+                    <a16:rowId xmlns:a16="http://schemas.microsoft.com/office/drawing/2014/main" val="349697231"/>
+                  </a:ext>
+                </a:extLst>
+              </a:tr>
+            </a:tbl>
+          </a:graphicData>
+        </a:graphic>
+      </p:graphicFrame>
+      <p:cxnSp>
+        <p:nvCxnSpPr>
+          <p:cNvPr id="9" name="Straight Arrow Connector 8">
+            <a:extLst>
+              <a:ext uri="{FF2B5EF4-FFF2-40B4-BE49-F238E27FC236}">
+                <a16:creationId xmlns:a16="http://schemas.microsoft.com/office/drawing/2014/main" id="{8C7EDFDC-94C9-6945-8AAB-E93975E01D74}"/>
+              </a:ext>
+            </a:extLst>
+          </p:cNvPr>
+          <p:cNvCxnSpPr/>
+          <p:nvPr/>
+        </p:nvCxnSpPr>
+        <p:spPr>
+          <a:xfrm>
+            <a:off x="1905000" y="3464559"/>
+            <a:ext cx="1981200" cy="2514600"/>
+          </a:xfrm>
+          <a:prstGeom prst="straightConnector1">
+            <a:avLst/>
+          </a:prstGeom>
+          <a:ln>
+            <a:tailEnd type="triangle"/>
+          </a:ln>
+        </p:spPr>
+        <p:style>
+          <a:lnRef idx="1">
+            <a:schemeClr val="accent1"/>
+          </a:lnRef>
+          <a:fillRef idx="0">
+            <a:schemeClr val="accent1"/>
+          </a:fillRef>
+          <a:effectRef idx="0">
+            <a:schemeClr val="accent1"/>
+          </a:effectRef>
+          <a:fontRef idx="minor">
+            <a:schemeClr val="tx1"/>
+          </a:fontRef>
+        </p:style>
+      </p:cxnSp>
+      <p:cxnSp>
+        <p:nvCxnSpPr>
+          <p:cNvPr id="11" name="Straight Arrow Connector 10">
+            <a:extLst>
+              <a:ext uri="{FF2B5EF4-FFF2-40B4-BE49-F238E27FC236}">
+                <a16:creationId xmlns:a16="http://schemas.microsoft.com/office/drawing/2014/main" id="{0DC338F0-FDAB-AD46-A1DF-D018C95F7929}"/>
+              </a:ext>
+            </a:extLst>
+          </p:cNvPr>
+          <p:cNvCxnSpPr/>
+          <p:nvPr/>
+        </p:nvCxnSpPr>
+        <p:spPr>
+          <a:xfrm>
+            <a:off x="1845600" y="3845559"/>
+            <a:ext cx="1964400" cy="990600"/>
+          </a:xfrm>
+          <a:prstGeom prst="straightConnector1">
+            <a:avLst/>
+          </a:prstGeom>
+          <a:ln>
+            <a:tailEnd type="triangle"/>
+          </a:ln>
+        </p:spPr>
+        <p:style>
+          <a:lnRef idx="1">
+            <a:schemeClr val="accent1"/>
+          </a:lnRef>
+          <a:fillRef idx="0">
+            <a:schemeClr val="accent1"/>
+          </a:fillRef>
+          <a:effectRef idx="0">
+            <a:schemeClr val="accent1"/>
+          </a:effectRef>
+          <a:fontRef idx="minor">
+            <a:schemeClr val="tx1"/>
+          </a:fontRef>
+        </p:style>
+      </p:cxnSp>
+      <p:cxnSp>
+        <p:nvCxnSpPr>
+          <p:cNvPr id="12" name="Straight Arrow Connector 11">
+            <a:extLst>
+              <a:ext uri="{FF2B5EF4-FFF2-40B4-BE49-F238E27FC236}">
+                <a16:creationId xmlns:a16="http://schemas.microsoft.com/office/drawing/2014/main" id="{ED974204-9281-A746-9E1F-672BBA3D5EBD}"/>
+              </a:ext>
+            </a:extLst>
+          </p:cNvPr>
+          <p:cNvCxnSpPr>
+            <a:cxnSpLocks/>
+          </p:cNvCxnSpPr>
+          <p:nvPr/>
+        </p:nvCxnSpPr>
+        <p:spPr>
+          <a:xfrm flipV="1">
+            <a:off x="1845600" y="4157283"/>
+            <a:ext cx="2040600" cy="18476"/>
+          </a:xfrm>
+          <a:prstGeom prst="straightConnector1">
+            <a:avLst/>
+          </a:prstGeom>
+          <a:ln>
+            <a:tailEnd type="triangle"/>
+          </a:ln>
+        </p:spPr>
+        <p:style>
+          <a:lnRef idx="1">
+            <a:schemeClr val="accent1"/>
+          </a:lnRef>
+          <a:fillRef idx="0">
+            <a:schemeClr val="accent1"/>
+          </a:fillRef>
+          <a:effectRef idx="0">
+            <a:schemeClr val="accent1"/>
+          </a:effectRef>
+          <a:fontRef idx="minor">
+            <a:schemeClr val="tx1"/>
+          </a:fontRef>
+        </p:style>
+      </p:cxnSp>
+      <p:cxnSp>
+        <p:nvCxnSpPr>
+          <p:cNvPr id="15" name="Straight Arrow Connector 14">
+            <a:extLst>
+              <a:ext uri="{FF2B5EF4-FFF2-40B4-BE49-F238E27FC236}">
+                <a16:creationId xmlns:a16="http://schemas.microsoft.com/office/drawing/2014/main" id="{28E45626-0568-254E-8EAF-AE266C47B4F1}"/>
+              </a:ext>
+            </a:extLst>
+          </p:cNvPr>
+          <p:cNvCxnSpPr>
+            <a:cxnSpLocks/>
+          </p:cNvCxnSpPr>
+          <p:nvPr/>
+        </p:nvCxnSpPr>
+        <p:spPr>
+          <a:xfrm flipV="1">
+            <a:off x="1905000" y="3566159"/>
+            <a:ext cx="1905000" cy="990600"/>
+          </a:xfrm>
+          <a:prstGeom prst="straightConnector1">
+            <a:avLst/>
+          </a:prstGeom>
+          <a:ln>
+            <a:tailEnd type="triangle"/>
+          </a:ln>
+        </p:spPr>
+        <p:style>
+          <a:lnRef idx="1">
+            <a:schemeClr val="accent1"/>
+          </a:lnRef>
+          <a:fillRef idx="0">
+            <a:schemeClr val="accent1"/>
+          </a:fillRef>
+          <a:effectRef idx="0">
+            <a:schemeClr val="accent1"/>
+          </a:effectRef>
+          <a:fontRef idx="minor">
+            <a:schemeClr val="tx1"/>
+          </a:fontRef>
+        </p:style>
+      </p:cxnSp>
+      <p:cxnSp>
+        <p:nvCxnSpPr>
+          <p:cNvPr id="18" name="Straight Arrow Connector 17">
+            <a:extLst>
+              <a:ext uri="{FF2B5EF4-FFF2-40B4-BE49-F238E27FC236}">
+                <a16:creationId xmlns:a16="http://schemas.microsoft.com/office/drawing/2014/main" id="{AAA23A14-8B66-CC4C-8837-5D84D9BE7EF8}"/>
+              </a:ext>
+            </a:extLst>
+          </p:cNvPr>
+          <p:cNvCxnSpPr>
+            <a:cxnSpLocks/>
+          </p:cNvCxnSpPr>
+          <p:nvPr/>
+        </p:nvCxnSpPr>
+        <p:spPr>
+          <a:xfrm flipV="1">
+            <a:off x="1828800" y="2796222"/>
+            <a:ext cx="2057400" cy="2157413"/>
+          </a:xfrm>
+          <a:prstGeom prst="straightConnector1">
+            <a:avLst/>
+          </a:prstGeom>
+          <a:ln>
+            <a:tailEnd type="triangle"/>
+          </a:ln>
+        </p:spPr>
+        <p:style>
+          <a:lnRef idx="1">
+            <a:schemeClr val="accent1"/>
+          </a:lnRef>
+          <a:fillRef idx="0">
+            <a:schemeClr val="accent1"/>
+          </a:fillRef>
+          <a:effectRef idx="0">
+            <a:schemeClr val="accent1"/>
+          </a:effectRef>
+          <a:fontRef idx="minor">
+            <a:schemeClr val="tx1"/>
+          </a:fontRef>
+        </p:style>
+      </p:cxnSp>
+      <p:sp>
+        <p:nvSpPr>
+          <p:cNvPr id="8" name="Title 7">
+            <a:extLst>
+              <a:ext uri="{FF2B5EF4-FFF2-40B4-BE49-F238E27FC236}">
+                <a16:creationId xmlns:a16="http://schemas.microsoft.com/office/drawing/2014/main" id="{4ACAFAF4-8BCF-3D42-9EDA-1451D5D56CB9}"/>
+              </a:ext>
+            </a:extLst>
+          </p:cNvPr>
+          <p:cNvSpPr>
+            <a:spLocks noGrp="1"/>
+          </p:cNvSpPr>
+          <p:nvPr>
+            <p:ph type="title"/>
+          </p:nvPr>
+        </p:nvSpPr>
+        <p:spPr/>
+        <p:txBody>
+          <a:bodyPr/>
+          <a:lstStyle/>
+          <a:p>
+            <a:endParaRPr lang="en-US"/>
+          </a:p>
+        </p:txBody>
+      </p:sp>
+    </p:spTree>
+    <p:extLst>
+      <p:ext uri="{BB962C8B-B14F-4D97-AF65-F5344CB8AC3E}">
+        <p14:creationId xmlns:p14="http://schemas.microsoft.com/office/powerpoint/2010/main" val="1134236827"/>
+      </p:ext>
+    </p:extLst>
+  </p:cSld>
+  <p:clrMapOvr>
+    <a:masterClrMapping/>
+  </p:clrMapOvr>
+</p:sld>
+</file>
+
+<file path=ppt/slides/slide32.xml><?xml version="1.0" encoding="utf-8"?>
+<p:sld xmlns:a="http://schemas.openxmlformats.org/drawingml/2006/main" xmlns:r="http://schemas.openxmlformats.org/officeDocument/2006/relationships" xmlns:p="http://schemas.openxmlformats.org/presentationml/2006/main">
+  <p:cSld>
+    <p:spTree>
+      <p:nvGrpSpPr>
+        <p:cNvPr id="1" name=""/>
+        <p:cNvGrpSpPr/>
+        <p:nvPr/>
+      </p:nvGrpSpPr>
+      <p:grpSpPr>
+        <a:xfrm>
+          <a:off x="0" y="0"/>
+          <a:ext cx="0" cy="0"/>
+          <a:chOff x="0" y="0"/>
+          <a:chExt cx="0" cy="0"/>
+        </a:xfrm>
+      </p:grpSpPr>
+      <p:sp>
+        <p:nvSpPr>
           <p:cNvPr id="2" name="Footer Placeholder 1"/>
           <p:cNvSpPr>
             <a:spLocks noGrp="1"/>
@@ -19848,7 +21871,7 @@
           <a:p>
             <a:fld id="{85A8DA42-601D-40A8-83CA-2F2CBDE5F9F0}" type="slidenum">
               <a:rPr lang="en-US" smtClean="0"/>
-              <a:t>31</a:t>
+              <a:t>32</a:t>
             </a:fld>
             <a:endParaRPr lang="en-US"/>
           </a:p>
@@ -19921,7 +21944,7 @@
 </p:sld>
 </file>
 
-<file path=ppt/slides/slide32.xml><?xml version="1.0" encoding="utf-8"?>
+<file path=ppt/slides/slide33.xml><?xml version="1.0" encoding="utf-8"?>
 <p:sld xmlns:a="http://schemas.openxmlformats.org/drawingml/2006/main" xmlns:r="http://schemas.openxmlformats.org/officeDocument/2006/relationships" xmlns:p="http://schemas.openxmlformats.org/presentationml/2006/main">
   <p:cSld>
     <p:spTree>
@@ -20008,7 +22031,7 @@
           <a:p>
             <a:fld id="{85A8DA42-601D-40A8-83CA-2F2CBDE5F9F0}" type="slidenum">
               <a:rPr lang="en-US" smtClean="0"/>
-              <a:t>32</a:t>
+              <a:t>33</a:t>
             </a:fld>
             <a:endParaRPr lang="en-US"/>
           </a:p>
@@ -20081,7 +22104,7 @@
 </p:sld>
 </file>
 
-<file path=ppt/slides/slide33.xml><?xml version="1.0" encoding="utf-8"?>
+<file path=ppt/slides/slide34.xml><?xml version="1.0" encoding="utf-8"?>
 <p:sld xmlns:a="http://schemas.openxmlformats.org/drawingml/2006/main" xmlns:r="http://schemas.openxmlformats.org/officeDocument/2006/relationships" xmlns:p="http://schemas.openxmlformats.org/presentationml/2006/main">
   <p:cSld>
     <p:spTree>
@@ -20173,7 +22196,7 @@
           <a:p>
             <a:fld id="{85A8DA42-601D-40A8-83CA-2F2CBDE5F9F0}" type="slidenum">
               <a:rPr lang="en-US" smtClean="0"/>
-              <a:t>33</a:t>
+              <a:t>34</a:t>
             </a:fld>
             <a:endParaRPr lang="en-US"/>
           </a:p>
@@ -20246,7 +22269,7 @@
 </p:sld>
 </file>
 
-<file path=ppt/slides/slide34.xml><?xml version="1.0" encoding="utf-8"?>
+<file path=ppt/slides/slide35.xml><?xml version="1.0" encoding="utf-8"?>
 <p:sld xmlns:a="http://schemas.openxmlformats.org/drawingml/2006/main" xmlns:r="http://schemas.openxmlformats.org/officeDocument/2006/relationships" xmlns:p="http://schemas.openxmlformats.org/presentationml/2006/main">
   <p:cSld>
     <p:spTree>
@@ -20338,7 +22361,7 @@
           <a:p>
             <a:fld id="{85A8DA42-601D-40A8-83CA-2F2CBDE5F9F0}" type="slidenum">
               <a:rPr lang="en-US" smtClean="0"/>
-              <a:t>34</a:t>
+              <a:t>35</a:t>
             </a:fld>
             <a:endParaRPr lang="en-US"/>
           </a:p>
@@ -20755,7 +22778,7 @@
 </p:sld>
 </file>
 
-<file path=ppt/slides/slide35.xml><?xml version="1.0" encoding="utf-8"?>
+<file path=ppt/slides/slide36.xml><?xml version="1.0" encoding="utf-8"?>
 <p:sld xmlns:a="http://schemas.openxmlformats.org/drawingml/2006/main" xmlns:r="http://schemas.openxmlformats.org/officeDocument/2006/relationships" xmlns:p="http://schemas.openxmlformats.org/presentationml/2006/main">
   <p:cSld>
     <p:spTree>
@@ -20851,7 +22874,7 @@
           <a:p>
             <a:fld id="{85A8DA42-601D-40A8-83CA-2F2CBDE5F9F0}" type="slidenum">
               <a:rPr lang="en-US" smtClean="0"/>
-              <a:t>35</a:t>
+              <a:t>36</a:t>
             </a:fld>
             <a:endParaRPr lang="en-US"/>
           </a:p>
